--- a/Game_Project/ch1/2016_2dGP_2nd_project_2012181025_윤진우.pptx
+++ b/Game_Project/ch1/2016_2dGP_2nd_project_2012181025_윤진우.pptx
@@ -110,6 +110,22 @@
       </a:defRPr>
     </a:lvl9pPr>
   </p:defaultTextStyle>
+  <p:extLst>
+    <p:ext uri="{EFAFB233-063F-42B5-8137-9DF3F51BA10A}">
+      <p15:sldGuideLst xmlns:p15="http://schemas.microsoft.com/office/powerpoint/2012/main">
+        <p15:guide id="1" orient="horz" pos="1620">
+          <p15:clr>
+            <a:srgbClr val="A4A3A4"/>
+          </p15:clr>
+        </p15:guide>
+        <p15:guide id="2" pos="2880">
+          <p15:clr>
+            <a:srgbClr val="A4A3A4"/>
+          </p15:clr>
+        </p15:guide>
+      </p15:sldGuideLst>
+    </p:ext>
+  </p:extLst>
 </p:presentation>
 </file>
 
@@ -195,7 +211,7 @@
           <a:p>
             <a:fld id="{B0FCC096-2393-4A10-AE74-6538B787B7B8}" type="datetimeFigureOut">
               <a:rPr lang="ko-KR" altLang="en-US" smtClean="0"/>
-              <a:t>2016-10-17</a:t>
+              <a:t>2016-10-18</a:t>
             </a:fld>
             <a:endParaRPr lang="ko-KR" altLang="en-US"/>
           </a:p>
@@ -259,38 +275,37 @@
           <a:p>
             <a:pPr lvl="0"/>
             <a:r>
-              <a:rPr lang="ko-KR" altLang="en-US" smtClean="0"/>
+              <a:rPr lang="ko-KR" altLang="en-US"/>
               <a:t>마스터 텍스트 스타일을 편집합니다</a:t>
             </a:r>
           </a:p>
           <a:p>
             <a:pPr lvl="1"/>
             <a:r>
-              <a:rPr lang="ko-KR" altLang="en-US" smtClean="0"/>
+              <a:rPr lang="ko-KR" altLang="en-US"/>
               <a:t>둘째 수준</a:t>
             </a:r>
           </a:p>
           <a:p>
             <a:pPr lvl="2"/>
             <a:r>
-              <a:rPr lang="ko-KR" altLang="en-US" smtClean="0"/>
+              <a:rPr lang="ko-KR" altLang="en-US"/>
               <a:t>셋째 수준</a:t>
             </a:r>
           </a:p>
           <a:p>
             <a:pPr lvl="3"/>
             <a:r>
-              <a:rPr lang="ko-KR" altLang="en-US" smtClean="0"/>
+              <a:rPr lang="ko-KR" altLang="en-US"/>
               <a:t>넷째 수준</a:t>
             </a:r>
           </a:p>
           <a:p>
             <a:pPr lvl="4"/>
             <a:r>
-              <a:rPr lang="ko-KR" altLang="en-US" smtClean="0"/>
+              <a:rPr lang="ko-KR" altLang="en-US"/>
               <a:t>다섯째 수준</a:t>
             </a:r>
-            <a:endParaRPr lang="ko-KR" altLang="en-US"/>
           </a:p>
         </p:txBody>
       </p:sp>
@@ -501,10 +516,9 @@
           <a:lstStyle/>
           <a:p>
             <a:r>
-              <a:rPr lang="ko-KR" altLang="en-US" smtClean="0"/>
+              <a:rPr lang="ko-KR" altLang="en-US"/>
               <a:t>마스터 제목 스타일 편집</a:t>
             </a:r>
-            <a:endParaRPr lang="ko-KR" altLang="en-US"/>
           </a:p>
         </p:txBody>
       </p:sp>
@@ -620,10 +634,9 @@
           </a:lstStyle>
           <a:p>
             <a:r>
-              <a:rPr lang="ko-KR" altLang="en-US" smtClean="0"/>
+              <a:rPr lang="ko-KR" altLang="en-US"/>
               <a:t>마스터 부제목 스타일 편집</a:t>
             </a:r>
-            <a:endParaRPr lang="ko-KR" altLang="en-US"/>
           </a:p>
         </p:txBody>
       </p:sp>
@@ -644,7 +657,7 @@
           <a:p>
             <a:fld id="{EC2FE99B-2628-4229-AF2C-AE4A924B807D}" type="datetimeFigureOut">
               <a:rPr lang="ko-KR" altLang="en-US" smtClean="0"/>
-              <a:t>2016-10-17</a:t>
+              <a:t>2016-10-18</a:t>
             </a:fld>
             <a:endParaRPr lang="ko-KR" altLang="en-US"/>
           </a:p>
@@ -738,10 +751,9 @@
           <a:lstStyle/>
           <a:p>
             <a:r>
-              <a:rPr lang="ko-KR" altLang="en-US" smtClean="0"/>
+              <a:rPr lang="ko-KR" altLang="en-US"/>
               <a:t>마스터 제목 스타일 편집</a:t>
             </a:r>
-            <a:endParaRPr lang="ko-KR" altLang="en-US"/>
           </a:p>
         </p:txBody>
       </p:sp>
@@ -762,38 +774,37 @@
           <a:p>
             <a:pPr lvl="0"/>
             <a:r>
-              <a:rPr lang="ko-KR" altLang="en-US" smtClean="0"/>
+              <a:rPr lang="ko-KR" altLang="en-US"/>
               <a:t>마스터 텍스트 스타일을 편집합니다</a:t>
             </a:r>
           </a:p>
           <a:p>
             <a:pPr lvl="1"/>
             <a:r>
-              <a:rPr lang="ko-KR" altLang="en-US" smtClean="0"/>
+              <a:rPr lang="ko-KR" altLang="en-US"/>
               <a:t>둘째 수준</a:t>
             </a:r>
           </a:p>
           <a:p>
             <a:pPr lvl="2"/>
             <a:r>
-              <a:rPr lang="ko-KR" altLang="en-US" smtClean="0"/>
+              <a:rPr lang="ko-KR" altLang="en-US"/>
               <a:t>셋째 수준</a:t>
             </a:r>
           </a:p>
           <a:p>
             <a:pPr lvl="3"/>
             <a:r>
-              <a:rPr lang="ko-KR" altLang="en-US" smtClean="0"/>
+              <a:rPr lang="ko-KR" altLang="en-US"/>
               <a:t>넷째 수준</a:t>
             </a:r>
           </a:p>
           <a:p>
             <a:pPr lvl="4"/>
             <a:r>
-              <a:rPr lang="ko-KR" altLang="en-US" smtClean="0"/>
+              <a:rPr lang="ko-KR" altLang="en-US"/>
               <a:t>다섯째 수준</a:t>
             </a:r>
-            <a:endParaRPr lang="ko-KR" altLang="en-US"/>
           </a:p>
         </p:txBody>
       </p:sp>
@@ -814,7 +825,7 @@
           <a:p>
             <a:fld id="{EC2FE99B-2628-4229-AF2C-AE4A924B807D}" type="datetimeFigureOut">
               <a:rPr lang="ko-KR" altLang="en-US" smtClean="0"/>
-              <a:t>2016-10-17</a:t>
+              <a:t>2016-10-18</a:t>
             </a:fld>
             <a:endParaRPr lang="ko-KR" altLang="en-US"/>
           </a:p>
@@ -913,10 +924,9 @@
           <a:lstStyle/>
           <a:p>
             <a:r>
-              <a:rPr lang="ko-KR" altLang="en-US" smtClean="0"/>
+              <a:rPr lang="ko-KR" altLang="en-US"/>
               <a:t>마스터 제목 스타일 편집</a:t>
             </a:r>
-            <a:endParaRPr lang="ko-KR" altLang="en-US"/>
           </a:p>
         </p:txBody>
       </p:sp>
@@ -942,38 +952,37 @@
           <a:p>
             <a:pPr lvl="0"/>
             <a:r>
-              <a:rPr lang="ko-KR" altLang="en-US" smtClean="0"/>
+              <a:rPr lang="ko-KR" altLang="en-US"/>
               <a:t>마스터 텍스트 스타일을 편집합니다</a:t>
             </a:r>
           </a:p>
           <a:p>
             <a:pPr lvl="1"/>
             <a:r>
-              <a:rPr lang="ko-KR" altLang="en-US" smtClean="0"/>
+              <a:rPr lang="ko-KR" altLang="en-US"/>
               <a:t>둘째 수준</a:t>
             </a:r>
           </a:p>
           <a:p>
             <a:pPr lvl="2"/>
             <a:r>
-              <a:rPr lang="ko-KR" altLang="en-US" smtClean="0"/>
+              <a:rPr lang="ko-KR" altLang="en-US"/>
               <a:t>셋째 수준</a:t>
             </a:r>
           </a:p>
           <a:p>
             <a:pPr lvl="3"/>
             <a:r>
-              <a:rPr lang="ko-KR" altLang="en-US" smtClean="0"/>
+              <a:rPr lang="ko-KR" altLang="en-US"/>
               <a:t>넷째 수준</a:t>
             </a:r>
           </a:p>
           <a:p>
             <a:pPr lvl="4"/>
             <a:r>
-              <a:rPr lang="ko-KR" altLang="en-US" smtClean="0"/>
+              <a:rPr lang="ko-KR" altLang="en-US"/>
               <a:t>다섯째 수준</a:t>
             </a:r>
-            <a:endParaRPr lang="ko-KR" altLang="en-US"/>
           </a:p>
         </p:txBody>
       </p:sp>
@@ -994,7 +1003,7 @@
           <a:p>
             <a:fld id="{EC2FE99B-2628-4229-AF2C-AE4A924B807D}" type="datetimeFigureOut">
               <a:rPr lang="ko-KR" altLang="en-US" smtClean="0"/>
-              <a:t>2016-10-17</a:t>
+              <a:t>2016-10-18</a:t>
             </a:fld>
             <a:endParaRPr lang="ko-KR" altLang="en-US"/>
           </a:p>
@@ -1088,10 +1097,9 @@
           <a:lstStyle/>
           <a:p>
             <a:r>
-              <a:rPr lang="ko-KR" altLang="en-US" smtClean="0"/>
+              <a:rPr lang="ko-KR" altLang="en-US"/>
               <a:t>마스터 제목 스타일 편집</a:t>
             </a:r>
-            <a:endParaRPr lang="ko-KR" altLang="en-US"/>
           </a:p>
         </p:txBody>
       </p:sp>
@@ -1112,38 +1120,37 @@
           <a:p>
             <a:pPr lvl="0"/>
             <a:r>
-              <a:rPr lang="ko-KR" altLang="en-US" smtClean="0"/>
+              <a:rPr lang="ko-KR" altLang="en-US"/>
               <a:t>마스터 텍스트 스타일을 편집합니다</a:t>
             </a:r>
           </a:p>
           <a:p>
             <a:pPr lvl="1"/>
             <a:r>
-              <a:rPr lang="ko-KR" altLang="en-US" smtClean="0"/>
+              <a:rPr lang="ko-KR" altLang="en-US"/>
               <a:t>둘째 수준</a:t>
             </a:r>
           </a:p>
           <a:p>
             <a:pPr lvl="2"/>
             <a:r>
-              <a:rPr lang="ko-KR" altLang="en-US" smtClean="0"/>
+              <a:rPr lang="ko-KR" altLang="en-US"/>
               <a:t>셋째 수준</a:t>
             </a:r>
           </a:p>
           <a:p>
             <a:pPr lvl="3"/>
             <a:r>
-              <a:rPr lang="ko-KR" altLang="en-US" smtClean="0"/>
+              <a:rPr lang="ko-KR" altLang="en-US"/>
               <a:t>넷째 수준</a:t>
             </a:r>
           </a:p>
           <a:p>
             <a:pPr lvl="4"/>
             <a:r>
-              <a:rPr lang="ko-KR" altLang="en-US" smtClean="0"/>
+              <a:rPr lang="ko-KR" altLang="en-US"/>
               <a:t>다섯째 수준</a:t>
             </a:r>
-            <a:endParaRPr lang="ko-KR" altLang="en-US"/>
           </a:p>
         </p:txBody>
       </p:sp>
@@ -1164,7 +1171,7 @@
           <a:p>
             <a:fld id="{EC2FE99B-2628-4229-AF2C-AE4A924B807D}" type="datetimeFigureOut">
               <a:rPr lang="ko-KR" altLang="en-US" smtClean="0"/>
-              <a:t>2016-10-17</a:t>
+              <a:t>2016-10-18</a:t>
             </a:fld>
             <a:endParaRPr lang="ko-KR" altLang="en-US"/>
           </a:p>
@@ -1267,10 +1274,9 @@
           </a:lstStyle>
           <a:p>
             <a:r>
-              <a:rPr lang="ko-KR" altLang="en-US" smtClean="0"/>
+              <a:rPr lang="ko-KR" altLang="en-US"/>
               <a:t>마스터 제목 스타일 편집</a:t>
             </a:r>
-            <a:endParaRPr lang="ko-KR" altLang="en-US"/>
           </a:p>
         </p:txBody>
       </p:sp>
@@ -1387,7 +1393,7 @@
           <a:p>
             <a:pPr lvl="0"/>
             <a:r>
-              <a:rPr lang="ko-KR" altLang="en-US" smtClean="0"/>
+              <a:rPr lang="ko-KR" altLang="en-US"/>
               <a:t>마스터 텍스트 스타일을 편집합니다</a:t>
             </a:r>
           </a:p>
@@ -1410,7 +1416,7 @@
           <a:p>
             <a:fld id="{EC2FE99B-2628-4229-AF2C-AE4A924B807D}" type="datetimeFigureOut">
               <a:rPr lang="ko-KR" altLang="en-US" smtClean="0"/>
-              <a:t>2016-10-17</a:t>
+              <a:t>2016-10-18</a:t>
             </a:fld>
             <a:endParaRPr lang="ko-KR" altLang="en-US"/>
           </a:p>
@@ -1504,10 +1510,9 @@
           <a:lstStyle/>
           <a:p>
             <a:r>
-              <a:rPr lang="ko-KR" altLang="en-US" smtClean="0"/>
+              <a:rPr lang="ko-KR" altLang="en-US"/>
               <a:t>마스터 제목 스타일 편집</a:t>
             </a:r>
-            <a:endParaRPr lang="ko-KR" altLang="en-US"/>
           </a:p>
         </p:txBody>
       </p:sp>
@@ -1561,38 +1566,37 @@
           <a:p>
             <a:pPr lvl="0"/>
             <a:r>
-              <a:rPr lang="ko-KR" altLang="en-US" smtClean="0"/>
+              <a:rPr lang="ko-KR" altLang="en-US"/>
               <a:t>마스터 텍스트 스타일을 편집합니다</a:t>
             </a:r>
           </a:p>
           <a:p>
             <a:pPr lvl="1"/>
             <a:r>
-              <a:rPr lang="ko-KR" altLang="en-US" smtClean="0"/>
+              <a:rPr lang="ko-KR" altLang="en-US"/>
               <a:t>둘째 수준</a:t>
             </a:r>
           </a:p>
           <a:p>
             <a:pPr lvl="2"/>
             <a:r>
-              <a:rPr lang="ko-KR" altLang="en-US" smtClean="0"/>
+              <a:rPr lang="ko-KR" altLang="en-US"/>
               <a:t>셋째 수준</a:t>
             </a:r>
           </a:p>
           <a:p>
             <a:pPr lvl="3"/>
             <a:r>
-              <a:rPr lang="ko-KR" altLang="en-US" smtClean="0"/>
+              <a:rPr lang="ko-KR" altLang="en-US"/>
               <a:t>넷째 수준</a:t>
             </a:r>
           </a:p>
           <a:p>
             <a:pPr lvl="4"/>
             <a:r>
-              <a:rPr lang="ko-KR" altLang="en-US" smtClean="0"/>
+              <a:rPr lang="ko-KR" altLang="en-US"/>
               <a:t>다섯째 수준</a:t>
             </a:r>
-            <a:endParaRPr lang="ko-KR" altLang="en-US"/>
           </a:p>
         </p:txBody>
       </p:sp>
@@ -1646,38 +1650,37 @@
           <a:p>
             <a:pPr lvl="0"/>
             <a:r>
-              <a:rPr lang="ko-KR" altLang="en-US" smtClean="0"/>
+              <a:rPr lang="ko-KR" altLang="en-US"/>
               <a:t>마스터 텍스트 스타일을 편집합니다</a:t>
             </a:r>
           </a:p>
           <a:p>
             <a:pPr lvl="1"/>
             <a:r>
-              <a:rPr lang="ko-KR" altLang="en-US" smtClean="0"/>
+              <a:rPr lang="ko-KR" altLang="en-US"/>
               <a:t>둘째 수준</a:t>
             </a:r>
           </a:p>
           <a:p>
             <a:pPr lvl="2"/>
             <a:r>
-              <a:rPr lang="ko-KR" altLang="en-US" smtClean="0"/>
+              <a:rPr lang="ko-KR" altLang="en-US"/>
               <a:t>셋째 수준</a:t>
             </a:r>
           </a:p>
           <a:p>
             <a:pPr lvl="3"/>
             <a:r>
-              <a:rPr lang="ko-KR" altLang="en-US" smtClean="0"/>
+              <a:rPr lang="ko-KR" altLang="en-US"/>
               <a:t>넷째 수준</a:t>
             </a:r>
           </a:p>
           <a:p>
             <a:pPr lvl="4"/>
             <a:r>
-              <a:rPr lang="ko-KR" altLang="en-US" smtClean="0"/>
+              <a:rPr lang="ko-KR" altLang="en-US"/>
               <a:t>다섯째 수준</a:t>
             </a:r>
-            <a:endParaRPr lang="ko-KR" altLang="en-US"/>
           </a:p>
         </p:txBody>
       </p:sp>
@@ -1698,7 +1701,7 @@
           <a:p>
             <a:fld id="{EC2FE99B-2628-4229-AF2C-AE4A924B807D}" type="datetimeFigureOut">
               <a:rPr lang="ko-KR" altLang="en-US" smtClean="0"/>
-              <a:t>2016-10-17</a:t>
+              <a:t>2016-10-18</a:t>
             </a:fld>
             <a:endParaRPr lang="ko-KR" altLang="en-US"/>
           </a:p>
@@ -1796,10 +1799,9 @@
           </a:lstStyle>
           <a:p>
             <a:r>
-              <a:rPr lang="ko-KR" altLang="en-US" smtClean="0"/>
+              <a:rPr lang="ko-KR" altLang="en-US"/>
               <a:t>마스터 제목 스타일 편집</a:t>
             </a:r>
-            <a:endParaRPr lang="ko-KR" altLang="en-US"/>
           </a:p>
         </p:txBody>
       </p:sp>
@@ -1862,7 +1864,7 @@
           <a:p>
             <a:pPr lvl="0"/>
             <a:r>
-              <a:rPr lang="ko-KR" altLang="en-US" smtClean="0"/>
+              <a:rPr lang="ko-KR" altLang="en-US"/>
               <a:t>마스터 텍스트 스타일을 편집합니다</a:t>
             </a:r>
           </a:p>
@@ -1918,38 +1920,37 @@
           <a:p>
             <a:pPr lvl="0"/>
             <a:r>
-              <a:rPr lang="ko-KR" altLang="en-US" smtClean="0"/>
+              <a:rPr lang="ko-KR" altLang="en-US"/>
               <a:t>마스터 텍스트 스타일을 편집합니다</a:t>
             </a:r>
           </a:p>
           <a:p>
             <a:pPr lvl="1"/>
             <a:r>
-              <a:rPr lang="ko-KR" altLang="en-US" smtClean="0"/>
+              <a:rPr lang="ko-KR" altLang="en-US"/>
               <a:t>둘째 수준</a:t>
             </a:r>
           </a:p>
           <a:p>
             <a:pPr lvl="2"/>
             <a:r>
-              <a:rPr lang="ko-KR" altLang="en-US" smtClean="0"/>
+              <a:rPr lang="ko-KR" altLang="en-US"/>
               <a:t>셋째 수준</a:t>
             </a:r>
           </a:p>
           <a:p>
             <a:pPr lvl="3"/>
             <a:r>
-              <a:rPr lang="ko-KR" altLang="en-US" smtClean="0"/>
+              <a:rPr lang="ko-KR" altLang="en-US"/>
               <a:t>넷째 수준</a:t>
             </a:r>
           </a:p>
           <a:p>
             <a:pPr lvl="4"/>
             <a:r>
-              <a:rPr lang="ko-KR" altLang="en-US" smtClean="0"/>
+              <a:rPr lang="ko-KR" altLang="en-US"/>
               <a:t>다섯째 수준</a:t>
             </a:r>
-            <a:endParaRPr lang="ko-KR" altLang="en-US"/>
           </a:p>
         </p:txBody>
       </p:sp>
@@ -2012,7 +2013,7 @@
           <a:p>
             <a:pPr lvl="0"/>
             <a:r>
-              <a:rPr lang="ko-KR" altLang="en-US" smtClean="0"/>
+              <a:rPr lang="ko-KR" altLang="en-US"/>
               <a:t>마스터 텍스트 스타일을 편집합니다</a:t>
             </a:r>
           </a:p>
@@ -2068,38 +2069,37 @@
           <a:p>
             <a:pPr lvl="0"/>
             <a:r>
-              <a:rPr lang="ko-KR" altLang="en-US" smtClean="0"/>
+              <a:rPr lang="ko-KR" altLang="en-US"/>
               <a:t>마스터 텍스트 스타일을 편집합니다</a:t>
             </a:r>
           </a:p>
           <a:p>
             <a:pPr lvl="1"/>
             <a:r>
-              <a:rPr lang="ko-KR" altLang="en-US" smtClean="0"/>
+              <a:rPr lang="ko-KR" altLang="en-US"/>
               <a:t>둘째 수준</a:t>
             </a:r>
           </a:p>
           <a:p>
             <a:pPr lvl="2"/>
             <a:r>
-              <a:rPr lang="ko-KR" altLang="en-US" smtClean="0"/>
+              <a:rPr lang="ko-KR" altLang="en-US"/>
               <a:t>셋째 수준</a:t>
             </a:r>
           </a:p>
           <a:p>
             <a:pPr lvl="3"/>
             <a:r>
-              <a:rPr lang="ko-KR" altLang="en-US" smtClean="0"/>
+              <a:rPr lang="ko-KR" altLang="en-US"/>
               <a:t>넷째 수준</a:t>
             </a:r>
           </a:p>
           <a:p>
             <a:pPr lvl="4"/>
             <a:r>
-              <a:rPr lang="ko-KR" altLang="en-US" smtClean="0"/>
+              <a:rPr lang="ko-KR" altLang="en-US"/>
               <a:t>다섯째 수준</a:t>
             </a:r>
-            <a:endParaRPr lang="ko-KR" altLang="en-US"/>
           </a:p>
         </p:txBody>
       </p:sp>
@@ -2120,7 +2120,7 @@
           <a:p>
             <a:fld id="{EC2FE99B-2628-4229-AF2C-AE4A924B807D}" type="datetimeFigureOut">
               <a:rPr lang="ko-KR" altLang="en-US" smtClean="0"/>
-              <a:t>2016-10-17</a:t>
+              <a:t>2016-10-18</a:t>
             </a:fld>
             <a:endParaRPr lang="ko-KR" altLang="en-US"/>
           </a:p>
@@ -2214,10 +2214,9 @@
           <a:lstStyle/>
           <a:p>
             <a:r>
-              <a:rPr lang="ko-KR" altLang="en-US" smtClean="0"/>
+              <a:rPr lang="ko-KR" altLang="en-US"/>
               <a:t>마스터 제목 스타일 편집</a:t>
             </a:r>
-            <a:endParaRPr lang="ko-KR" altLang="en-US"/>
           </a:p>
         </p:txBody>
       </p:sp>
@@ -2238,7 +2237,7 @@
           <a:p>
             <a:fld id="{EC2FE99B-2628-4229-AF2C-AE4A924B807D}" type="datetimeFigureOut">
               <a:rPr lang="ko-KR" altLang="en-US" smtClean="0"/>
-              <a:t>2016-10-17</a:t>
+              <a:t>2016-10-18</a:t>
             </a:fld>
             <a:endParaRPr lang="ko-KR" altLang="en-US"/>
           </a:p>
@@ -2333,7 +2332,7 @@
           <a:p>
             <a:fld id="{EC2FE99B-2628-4229-AF2C-AE4A924B807D}" type="datetimeFigureOut">
               <a:rPr lang="ko-KR" altLang="en-US" smtClean="0"/>
-              <a:t>2016-10-17</a:t>
+              <a:t>2016-10-18</a:t>
             </a:fld>
             <a:endParaRPr lang="ko-KR" altLang="en-US"/>
           </a:p>
@@ -2436,10 +2435,9 @@
           </a:lstStyle>
           <a:p>
             <a:r>
-              <a:rPr lang="ko-KR" altLang="en-US" smtClean="0"/>
+              <a:rPr lang="ko-KR" altLang="en-US"/>
               <a:t>마스터 제목 스타일 편집</a:t>
             </a:r>
-            <a:endParaRPr lang="ko-KR" altLang="en-US"/>
           </a:p>
         </p:txBody>
       </p:sp>
@@ -2493,38 +2491,37 @@
           <a:p>
             <a:pPr lvl="0"/>
             <a:r>
-              <a:rPr lang="ko-KR" altLang="en-US" smtClean="0"/>
+              <a:rPr lang="ko-KR" altLang="en-US"/>
               <a:t>마스터 텍스트 스타일을 편집합니다</a:t>
             </a:r>
           </a:p>
           <a:p>
             <a:pPr lvl="1"/>
             <a:r>
-              <a:rPr lang="ko-KR" altLang="en-US" smtClean="0"/>
+              <a:rPr lang="ko-KR" altLang="en-US"/>
               <a:t>둘째 수준</a:t>
             </a:r>
           </a:p>
           <a:p>
             <a:pPr lvl="2"/>
             <a:r>
-              <a:rPr lang="ko-KR" altLang="en-US" smtClean="0"/>
+              <a:rPr lang="ko-KR" altLang="en-US"/>
               <a:t>셋째 수준</a:t>
             </a:r>
           </a:p>
           <a:p>
             <a:pPr lvl="3"/>
             <a:r>
-              <a:rPr lang="ko-KR" altLang="en-US" smtClean="0"/>
+              <a:rPr lang="ko-KR" altLang="en-US"/>
               <a:t>넷째 수준</a:t>
             </a:r>
           </a:p>
           <a:p>
             <a:pPr lvl="4"/>
             <a:r>
-              <a:rPr lang="ko-KR" altLang="en-US" smtClean="0"/>
+              <a:rPr lang="ko-KR" altLang="en-US"/>
               <a:t>다섯째 수준</a:t>
             </a:r>
-            <a:endParaRPr lang="ko-KR" altLang="en-US"/>
           </a:p>
         </p:txBody>
       </p:sp>
@@ -2587,7 +2584,7 @@
           <a:p>
             <a:pPr lvl="0"/>
             <a:r>
-              <a:rPr lang="ko-KR" altLang="en-US" smtClean="0"/>
+              <a:rPr lang="ko-KR" altLang="en-US"/>
               <a:t>마스터 텍스트 스타일을 편집합니다</a:t>
             </a:r>
           </a:p>
@@ -2610,7 +2607,7 @@
           <a:p>
             <a:fld id="{EC2FE99B-2628-4229-AF2C-AE4A924B807D}" type="datetimeFigureOut">
               <a:rPr lang="ko-KR" altLang="en-US" smtClean="0"/>
-              <a:t>2016-10-17</a:t>
+              <a:t>2016-10-18</a:t>
             </a:fld>
             <a:endParaRPr lang="ko-KR" altLang="en-US"/>
           </a:p>
@@ -2713,10 +2710,9 @@
           </a:lstStyle>
           <a:p>
             <a:r>
-              <a:rPr lang="ko-KR" altLang="en-US" smtClean="0"/>
+              <a:rPr lang="ko-KR" altLang="en-US"/>
               <a:t>마스터 제목 스타일 편집</a:t>
             </a:r>
-            <a:endParaRPr lang="ko-KR" altLang="en-US"/>
           </a:p>
         </p:txBody>
       </p:sp>
@@ -2840,7 +2836,7 @@
           <a:p>
             <a:pPr lvl="0"/>
             <a:r>
-              <a:rPr lang="ko-KR" altLang="en-US" smtClean="0"/>
+              <a:rPr lang="ko-KR" altLang="en-US"/>
               <a:t>마스터 텍스트 스타일을 편집합니다</a:t>
             </a:r>
           </a:p>
@@ -2863,7 +2859,7 @@
           <a:p>
             <a:fld id="{EC2FE99B-2628-4229-AF2C-AE4A924B807D}" type="datetimeFigureOut">
               <a:rPr lang="ko-KR" altLang="en-US" smtClean="0"/>
-              <a:t>2016-10-17</a:t>
+              <a:t>2016-10-18</a:t>
             </a:fld>
             <a:endParaRPr lang="ko-KR" altLang="en-US"/>
           </a:p>
@@ -2982,10 +2978,9 @@
           <a:lstStyle/>
           <a:p>
             <a:r>
-              <a:rPr lang="ko-KR" altLang="en-US" smtClean="0"/>
+              <a:rPr lang="ko-KR" altLang="en-US"/>
               <a:t>마스터 제목 스타일 편집</a:t>
             </a:r>
-            <a:endParaRPr lang="ko-KR" altLang="en-US"/>
           </a:p>
         </p:txBody>
       </p:sp>
@@ -3016,38 +3011,37 @@
           <a:p>
             <a:pPr lvl="0"/>
             <a:r>
-              <a:rPr lang="ko-KR" altLang="en-US" smtClean="0"/>
+              <a:rPr lang="ko-KR" altLang="en-US"/>
               <a:t>마스터 텍스트 스타일을 편집합니다</a:t>
             </a:r>
           </a:p>
           <a:p>
             <a:pPr lvl="1"/>
             <a:r>
-              <a:rPr lang="ko-KR" altLang="en-US" smtClean="0"/>
+              <a:rPr lang="ko-KR" altLang="en-US"/>
               <a:t>둘째 수준</a:t>
             </a:r>
           </a:p>
           <a:p>
             <a:pPr lvl="2"/>
             <a:r>
-              <a:rPr lang="ko-KR" altLang="en-US" smtClean="0"/>
+              <a:rPr lang="ko-KR" altLang="en-US"/>
               <a:t>셋째 수준</a:t>
             </a:r>
           </a:p>
           <a:p>
             <a:pPr lvl="3"/>
             <a:r>
-              <a:rPr lang="ko-KR" altLang="en-US" smtClean="0"/>
+              <a:rPr lang="ko-KR" altLang="en-US"/>
               <a:t>넷째 수준</a:t>
             </a:r>
           </a:p>
           <a:p>
             <a:pPr lvl="4"/>
             <a:r>
-              <a:rPr lang="ko-KR" altLang="en-US" smtClean="0"/>
+              <a:rPr lang="ko-KR" altLang="en-US"/>
               <a:t>다섯째 수준</a:t>
             </a:r>
-            <a:endParaRPr lang="ko-KR" altLang="en-US"/>
           </a:p>
         </p:txBody>
       </p:sp>
@@ -3086,7 +3080,7 @@
           <a:p>
             <a:fld id="{EC2FE99B-2628-4229-AF2C-AE4A924B807D}" type="datetimeFigureOut">
               <a:rPr lang="ko-KR" altLang="en-US" smtClean="0"/>
-              <a:t>2016-10-17</a:t>
+              <a:t>2016-10-18</a:t>
             </a:fld>
             <a:endParaRPr lang="ko-KR" altLang="en-US"/>
           </a:p>
@@ -3537,7 +3531,7 @@
           <a:lstStyle/>
           <a:p>
             <a:r>
-              <a:rPr lang="en-US" altLang="ko-KR" b="1" dirty="0" smtClean="0">
+              <a:rPr lang="en-US" altLang="ko-KR" b="1" dirty="0">
                 <a:solidFill>
                   <a:schemeClr val="tx1"/>
                 </a:solidFill>
@@ -3547,7 +3541,7 @@
               <a:t>2012181025 </a:t>
             </a:r>
             <a:r>
-              <a:rPr lang="ko-KR" altLang="en-US" b="1" dirty="0" smtClean="0">
+              <a:rPr lang="ko-KR" altLang="en-US" b="1" dirty="0">
                 <a:solidFill>
                   <a:schemeClr val="tx1"/>
                 </a:solidFill>
@@ -3556,13 +3550,6 @@
               </a:rPr>
               <a:t>윤진우</a:t>
             </a:r>
-            <a:endParaRPr lang="ko-KR" altLang="en-US" b="1" dirty="0">
-              <a:solidFill>
-                <a:schemeClr val="tx1"/>
-              </a:solidFill>
-              <a:latin typeface="MD개성체" pitchFamily="18" charset="-127"/>
-              <a:ea typeface="MD개성체" pitchFamily="18" charset="-127"/>
-            </a:endParaRPr>
           </a:p>
         </p:txBody>
       </p:sp>
@@ -3619,7 +3606,7 @@
           <a:lstStyle/>
           <a:p>
             <a:r>
-              <a:rPr lang="en-US" altLang="ko-KR" b="1" dirty="0" smtClean="0">
+              <a:rPr lang="en-US" altLang="ko-KR" b="1" dirty="0">
                 <a:solidFill>
                   <a:schemeClr val="tx1"/>
                 </a:solidFill>
@@ -3629,7 +3616,7 @@
               <a:t>2D</a:t>
             </a:r>
             <a:r>
-              <a:rPr lang="ko-KR" altLang="en-US" b="1" dirty="0" smtClean="0">
+              <a:rPr lang="ko-KR" altLang="en-US" b="1" dirty="0">
                 <a:solidFill>
                   <a:schemeClr val="tx1"/>
                 </a:solidFill>
@@ -3639,7 +3626,7 @@
               <a:t>프로그래밍</a:t>
             </a:r>
             <a:r>
-              <a:rPr lang="en-US" altLang="ko-KR" b="1" dirty="0" smtClean="0">
+              <a:rPr lang="en-US" altLang="ko-KR" b="1" dirty="0">
                 <a:solidFill>
                   <a:schemeClr val="tx1"/>
                 </a:solidFill>
@@ -3649,7 +3636,7 @@
               <a:t>_2</a:t>
             </a:r>
             <a:r>
-              <a:rPr lang="ko-KR" altLang="en-US" b="1" dirty="0" smtClean="0">
+              <a:rPr lang="ko-KR" altLang="en-US" b="1" dirty="0">
                 <a:solidFill>
                   <a:schemeClr val="tx1"/>
                 </a:solidFill>
@@ -3658,13 +3645,6 @@
               </a:rPr>
               <a:t>차 프로젝트</a:t>
             </a:r>
-            <a:endParaRPr lang="ko-KR" altLang="en-US" b="1" dirty="0">
-              <a:solidFill>
-                <a:schemeClr val="tx1"/>
-              </a:solidFill>
-              <a:latin typeface="MD개성체" pitchFamily="18" charset="-127"/>
-              <a:ea typeface="MD개성체" pitchFamily="18" charset="-127"/>
-            </a:endParaRPr>
           </a:p>
         </p:txBody>
       </p:sp>
@@ -4047,13 +4027,6 @@
   <p:clrMapOvr>
     <a:masterClrMapping/>
   </p:clrMapOvr>
-  <p:timing>
-    <p:tnLst>
-      <p:par>
-        <p:cTn id="1" dur="indefinite" restart="never" nodeType="tmRoot"/>
-      </p:par>
-    </p:tnLst>
-  </p:timing>
 </p:sld>
 </file>
 
@@ -4153,23 +4126,12 @@
           <a:lstStyle/>
           <a:p>
             <a:r>
-              <a:rPr lang="ko-KR" altLang="en-US" b="1" dirty="0" err="1" smtClean="0">
+              <a:rPr lang="ko-KR" altLang="en-US" b="1" dirty="0">
                 <a:latin typeface="MD개성체" pitchFamily="18" charset="-127"/>
                 <a:ea typeface="MD개성체" pitchFamily="18" charset="-127"/>
               </a:rPr>
-              <a:t>부셔고</a:t>
-            </a:r>
-            <a:r>
-              <a:rPr lang="ko-KR" altLang="en-US" b="1" dirty="0" smtClean="0">
-                <a:latin typeface="MD개성체" pitchFamily="18" charset="-127"/>
-                <a:ea typeface="MD개성체" pitchFamily="18" charset="-127"/>
-              </a:rPr>
-              <a:t> 구해서 강해져라</a:t>
-            </a:r>
-            <a:endParaRPr lang="ko-KR" altLang="en-US" b="1" dirty="0">
-              <a:latin typeface="MD개성체" pitchFamily="18" charset="-127"/>
-              <a:ea typeface="MD개성체" pitchFamily="18" charset="-127"/>
-            </a:endParaRPr>
+              <a:t>부시고 구해서 강해져라</a:t>
+            </a:r>
           </a:p>
         </p:txBody>
       </p:sp>
@@ -4199,20 +4161,20 @@
               <a:buNone/>
             </a:pPr>
             <a:r>
-              <a:rPr lang="en-US" altLang="ko-KR" sz="2000" b="1" dirty="0" smtClean="0">
+              <a:rPr lang="en-US" altLang="ko-KR" sz="2000" b="1" dirty="0">
                 <a:latin typeface="MD개성체" pitchFamily="18" charset="-127"/>
                 <a:ea typeface="MD개성체" pitchFamily="18" charset="-127"/>
               </a:rPr>
               <a:t>- </a:t>
             </a:r>
             <a:r>
-              <a:rPr lang="ko-KR" altLang="en-US" sz="2000" b="1" dirty="0" smtClean="0">
+              <a:rPr lang="ko-KR" altLang="en-US" sz="2000" b="1" dirty="0">
                 <a:latin typeface="MD개성체" pitchFamily="18" charset="-127"/>
                 <a:ea typeface="MD개성체" pitchFamily="18" charset="-127"/>
               </a:rPr>
               <a:t>자신의 시간을 사용해서 더 많은 클래스의 사람들을 구해라</a:t>
             </a:r>
-            <a:endParaRPr lang="en-US" altLang="ko-KR" sz="2000" b="1" dirty="0" smtClean="0">
+            <a:endParaRPr lang="en-US" altLang="ko-KR" sz="2000" b="1" dirty="0">
               <a:latin typeface="MD개성체" pitchFamily="18" charset="-127"/>
               <a:ea typeface="MD개성체" pitchFamily="18" charset="-127"/>
             </a:endParaRPr>
@@ -4222,28 +4184,28 @@
               <a:buNone/>
             </a:pPr>
             <a:r>
-              <a:rPr lang="en-US" altLang="ko-KR" sz="2000" b="1" dirty="0" smtClean="0">
+              <a:rPr lang="en-US" altLang="ko-KR" sz="2000" b="1" dirty="0">
                 <a:latin typeface="MD개성체" pitchFamily="18" charset="-127"/>
                 <a:ea typeface="MD개성체" pitchFamily="18" charset="-127"/>
               </a:rPr>
               <a:t>- </a:t>
             </a:r>
             <a:r>
-              <a:rPr lang="ko-KR" altLang="en-US" sz="2000" b="1" dirty="0" smtClean="0">
+              <a:rPr lang="ko-KR" altLang="en-US" sz="2000" b="1" dirty="0">
                 <a:latin typeface="MD개성체" pitchFamily="18" charset="-127"/>
                 <a:ea typeface="MD개성체" pitchFamily="18" charset="-127"/>
               </a:rPr>
               <a:t>탈출 인원이 많을수록 더 많은 생명을 얻고 더 많은 시간으로 </a:t>
             </a:r>
             <a:r>
-              <a:rPr lang="ko-KR" altLang="en-US" sz="2000" b="1" dirty="0" err="1" smtClean="0">
+              <a:rPr lang="ko-KR" altLang="en-US" sz="2000" b="1" dirty="0" err="1">
                 <a:latin typeface="MD개성체" pitchFamily="18" charset="-127"/>
                 <a:ea typeface="MD개성체" pitchFamily="18" charset="-127"/>
               </a:rPr>
               <a:t>바꿀수</a:t>
             </a:r>
             <a:r>
-              <a:rPr lang="ko-KR" altLang="en-US" sz="2000" b="1" dirty="0" smtClean="0">
+              <a:rPr lang="ko-KR" altLang="en-US" sz="2000" b="1" dirty="0">
                 <a:latin typeface="MD개성체" pitchFamily="18" charset="-127"/>
                 <a:ea typeface="MD개성체" pitchFamily="18" charset="-127"/>
               </a:rPr>
@@ -4259,69 +4221,69 @@
               <a:buNone/>
             </a:pPr>
             <a:r>
-              <a:rPr lang="en-US" altLang="ko-KR" sz="2000" b="1" dirty="0" smtClean="0">
+              <a:rPr lang="en-US" altLang="ko-KR" sz="2000" b="1" dirty="0">
                 <a:latin typeface="MD개성체" pitchFamily="18" charset="-127"/>
                 <a:ea typeface="MD개성체" pitchFamily="18" charset="-127"/>
               </a:rPr>
               <a:t>- </a:t>
             </a:r>
             <a:r>
-              <a:rPr lang="ko-KR" altLang="en-US" sz="2000" b="1" dirty="0" smtClean="0">
+              <a:rPr lang="ko-KR" altLang="en-US" sz="2000" b="1" dirty="0">
                 <a:latin typeface="MD개성체" pitchFamily="18" charset="-127"/>
                 <a:ea typeface="MD개성체" pitchFamily="18" charset="-127"/>
               </a:rPr>
               <a:t>다양한 클래스를 탈출시킬수록 </a:t>
             </a:r>
             <a:r>
-              <a:rPr lang="ko-KR" altLang="en-US" sz="2000" b="1" dirty="0" err="1" smtClean="0">
+              <a:rPr lang="ko-KR" altLang="en-US" sz="2000" b="1" dirty="0" err="1">
                 <a:latin typeface="MD개성체" pitchFamily="18" charset="-127"/>
                 <a:ea typeface="MD개성체" pitchFamily="18" charset="-127"/>
               </a:rPr>
               <a:t>능력치와</a:t>
             </a:r>
             <a:r>
-              <a:rPr lang="ko-KR" altLang="en-US" sz="2000" b="1" dirty="0" smtClean="0">
+              <a:rPr lang="ko-KR" altLang="en-US" sz="2000" b="1" dirty="0">
                 <a:latin typeface="MD개성체" pitchFamily="18" charset="-127"/>
                 <a:ea typeface="MD개성체" pitchFamily="18" charset="-127"/>
               </a:rPr>
               <a:t> </a:t>
             </a:r>
             <a:r>
-              <a:rPr lang="ko-KR" altLang="en-US" sz="2000" b="1" dirty="0" err="1" smtClean="0">
+              <a:rPr lang="ko-KR" altLang="en-US" sz="2000" b="1" dirty="0" err="1">
                 <a:latin typeface="MD개성체" pitchFamily="18" charset="-127"/>
                 <a:ea typeface="MD개성체" pitchFamily="18" charset="-127"/>
               </a:rPr>
               <a:t>스킬을</a:t>
             </a:r>
             <a:r>
-              <a:rPr lang="ko-KR" altLang="en-US" sz="2000" b="1" dirty="0" smtClean="0">
+              <a:rPr lang="ko-KR" altLang="en-US" sz="2000" b="1" dirty="0">
                 <a:latin typeface="MD개성체" pitchFamily="18" charset="-127"/>
                 <a:ea typeface="MD개성체" pitchFamily="18" charset="-127"/>
               </a:rPr>
               <a:t> 획득</a:t>
             </a:r>
             <a:r>
-              <a:rPr lang="en-US" altLang="ko-KR" sz="2000" b="1" dirty="0" smtClean="0">
+              <a:rPr lang="en-US" altLang="ko-KR" sz="2000" b="1" dirty="0">
                 <a:latin typeface="MD개성체" pitchFamily="18" charset="-127"/>
                 <a:ea typeface="MD개성체" pitchFamily="18" charset="-127"/>
               </a:rPr>
               <a:t>, </a:t>
             </a:r>
             <a:r>
-              <a:rPr lang="ko-KR" altLang="en-US" sz="2000" b="1" dirty="0" err="1" smtClean="0">
+              <a:rPr lang="ko-KR" altLang="en-US" sz="2000" b="1" dirty="0" err="1">
                 <a:latin typeface="MD개성체" pitchFamily="18" charset="-127"/>
                 <a:ea typeface="MD개성체" pitchFamily="18" charset="-127"/>
               </a:rPr>
               <a:t>강화할수</a:t>
             </a:r>
             <a:r>
-              <a:rPr lang="ko-KR" altLang="en-US" sz="2000" b="1" dirty="0" smtClean="0">
+              <a:rPr lang="ko-KR" altLang="en-US" sz="2000" b="1" dirty="0">
                 <a:latin typeface="MD개성체" pitchFamily="18" charset="-127"/>
                 <a:ea typeface="MD개성체" pitchFamily="18" charset="-127"/>
               </a:rPr>
               <a:t> 있다</a:t>
             </a:r>
-            <a:endParaRPr lang="en-US" altLang="ko-KR" sz="2000" b="1" dirty="0" smtClean="0">
+            <a:endParaRPr lang="en-US" altLang="ko-KR" sz="2000" b="1" dirty="0">
               <a:latin typeface="MD개성체" pitchFamily="18" charset="-127"/>
               <a:ea typeface="MD개성체" pitchFamily="18" charset="-127"/>
             </a:endParaRPr>
@@ -4331,20 +4293,20 @@
               <a:buNone/>
             </a:pPr>
             <a:r>
-              <a:rPr lang="en-US" altLang="ko-KR" sz="2000" b="1" dirty="0" smtClean="0">
+              <a:rPr lang="en-US" altLang="ko-KR" sz="2000" b="1" dirty="0">
                 <a:latin typeface="MD개성체" pitchFamily="18" charset="-127"/>
                 <a:ea typeface="MD개성체" pitchFamily="18" charset="-127"/>
               </a:rPr>
               <a:t>- </a:t>
             </a:r>
             <a:r>
-              <a:rPr lang="ko-KR" altLang="en-US" sz="2000" b="1" dirty="0" smtClean="0">
+              <a:rPr lang="ko-KR" altLang="en-US" sz="2000" b="1" dirty="0">
                 <a:latin typeface="MD개성체" pitchFamily="18" charset="-127"/>
                 <a:ea typeface="MD개성체" pitchFamily="18" charset="-127"/>
               </a:rPr>
               <a:t>플레이 스타일과 전략적 요소의 육성</a:t>
             </a:r>
-            <a:endParaRPr lang="en-US" altLang="ko-KR" sz="2000" b="1" dirty="0" smtClean="0">
+            <a:endParaRPr lang="en-US" altLang="ko-KR" sz="2000" b="1" dirty="0">
               <a:latin typeface="MD개성체" pitchFamily="18" charset="-127"/>
               <a:ea typeface="MD개성체" pitchFamily="18" charset="-127"/>
             </a:endParaRPr>
@@ -4354,27 +4316,27 @@
               <a:buNone/>
             </a:pPr>
             <a:r>
-              <a:rPr lang="en-US" altLang="ko-KR" sz="2000" b="1" dirty="0" smtClean="0">
+              <a:rPr lang="en-US" altLang="ko-KR" sz="2000" b="1" dirty="0">
                 <a:latin typeface="MD개성체" pitchFamily="18" charset="-127"/>
                 <a:ea typeface="MD개성체" pitchFamily="18" charset="-127"/>
               </a:rPr>
               <a:t>- </a:t>
             </a:r>
             <a:r>
-              <a:rPr lang="ko-KR" altLang="en-US" sz="2000" b="1" dirty="0" smtClean="0">
+              <a:rPr lang="ko-KR" altLang="en-US" sz="2000" b="1" dirty="0">
                 <a:latin typeface="MD개성체" pitchFamily="18" charset="-127"/>
                 <a:ea typeface="MD개성체" pitchFamily="18" charset="-127"/>
               </a:rPr>
               <a:t>시간이 지날수록 게임이 더 어려워져 처음부터 전략적으로 </a:t>
             </a:r>
             <a:r>
-              <a:rPr lang="ko-KR" altLang="en-US" sz="2000" b="1" dirty="0" err="1" smtClean="0">
+              <a:rPr lang="ko-KR" altLang="en-US" sz="2000" b="1" dirty="0" err="1">
                 <a:latin typeface="MD개성체" pitchFamily="18" charset="-127"/>
                 <a:ea typeface="MD개성체" pitchFamily="18" charset="-127"/>
               </a:rPr>
               <a:t>활동해야함</a:t>
             </a:r>
-            <a:endParaRPr lang="en-US" altLang="ko-KR" sz="2000" b="1" dirty="0" smtClean="0">
+            <a:endParaRPr lang="en-US" altLang="ko-KR" sz="2000" b="1" dirty="0">
               <a:latin typeface="MD개성체" pitchFamily="18" charset="-127"/>
               <a:ea typeface="MD개성체" pitchFamily="18" charset="-127"/>
             </a:endParaRPr>
@@ -4384,26 +4346,26 @@
               <a:buNone/>
             </a:pPr>
             <a:r>
-              <a:rPr lang="en-US" altLang="ko-KR" sz="2000" b="1" dirty="0" smtClean="0">
+              <a:rPr lang="en-US" altLang="ko-KR" sz="2000" b="1" dirty="0">
                 <a:latin typeface="MD개성체" pitchFamily="18" charset="-127"/>
                 <a:ea typeface="MD개성체" pitchFamily="18" charset="-127"/>
               </a:rPr>
               <a:t>- </a:t>
             </a:r>
             <a:r>
-              <a:rPr lang="ko-KR" altLang="en-US" sz="2000" b="1" dirty="0" smtClean="0">
+              <a:rPr lang="ko-KR" altLang="en-US" sz="2000" b="1" dirty="0">
                 <a:latin typeface="MD개성체" pitchFamily="18" charset="-127"/>
                 <a:ea typeface="MD개성체" pitchFamily="18" charset="-127"/>
               </a:rPr>
               <a:t>게임 진행의 필요한 캐릭터의 움직임은 키보드로 가능</a:t>
             </a:r>
-            <a:endParaRPr lang="en-US" altLang="ko-KR" sz="2000" b="1" dirty="0" smtClean="0">
+            <a:endParaRPr lang="en-US" altLang="ko-KR" sz="2000" b="1" dirty="0">
               <a:latin typeface="MD개성체" pitchFamily="18" charset="-127"/>
               <a:ea typeface="MD개성체" pitchFamily="18" charset="-127"/>
             </a:endParaRPr>
           </a:p>
           <a:p>
-            <a:endParaRPr lang="en-US" altLang="ko-KR" sz="2800" dirty="0" smtClean="0"/>
+            <a:endParaRPr lang="en-US" altLang="ko-KR" sz="2800" dirty="0"/>
           </a:p>
           <a:p>
             <a:endParaRPr lang="en-US" altLang="ko-KR" sz="2800" dirty="0"/>
@@ -4667,7 +4629,7 @@
           <a:lstStyle/>
           <a:p>
             <a:pPr algn="ctr"/>
-            <a:endParaRPr lang="ko-KR" altLang="en-US" sz="1000" b="1" dirty="0" smtClean="0">
+            <a:endParaRPr lang="ko-KR" altLang="en-US" sz="1000" b="1" dirty="0">
               <a:solidFill>
                 <a:schemeClr val="tx1"/>
               </a:solidFill>
@@ -4724,7 +4686,7 @@
           <a:lstStyle/>
           <a:p>
             <a:pPr algn="ctr"/>
-            <a:endParaRPr lang="ko-KR" altLang="en-US" sz="1000" b="1" dirty="0" smtClean="0">
+            <a:endParaRPr lang="ko-KR" altLang="en-US" sz="1000" b="1" dirty="0">
               <a:solidFill>
                 <a:schemeClr val="tx1"/>
               </a:solidFill>
@@ -4781,7 +4743,7 @@
           <a:lstStyle/>
           <a:p>
             <a:pPr algn="ctr"/>
-            <a:endParaRPr lang="ko-KR" altLang="en-US" sz="1000" b="1" dirty="0" smtClean="0">
+            <a:endParaRPr lang="ko-KR" altLang="en-US" sz="1000" b="1" dirty="0">
               <a:solidFill>
                 <a:schemeClr val="tx1"/>
               </a:solidFill>
@@ -4879,7 +4841,7 @@
           <a:lstStyle/>
           <a:p>
             <a:pPr algn="ctr"/>
-            <a:endParaRPr lang="ko-KR" altLang="en-US" sz="1000" b="1" dirty="0" smtClean="0">
+            <a:endParaRPr lang="ko-KR" altLang="en-US" sz="1000" b="1" dirty="0">
               <a:solidFill>
                 <a:schemeClr val="tx1"/>
               </a:solidFill>
@@ -4938,13 +4900,6 @@
   <p:clrMapOvr>
     <a:masterClrMapping/>
   </p:clrMapOvr>
-  <p:timing>
-    <p:tnLst>
-      <p:par>
-        <p:cTn id="1" dur="indefinite" restart="never" nodeType="tmRoot"/>
-      </p:par>
-    </p:tnLst>
-  </p:timing>
 </p:sld>
 </file>
 
@@ -5044,16 +4999,12 @@
           <a:lstStyle/>
           <a:p>
             <a:r>
-              <a:rPr lang="ko-KR" altLang="en-US" b="1" dirty="0" smtClean="0">
+              <a:rPr lang="ko-KR" altLang="en-US" b="1" dirty="0">
                 <a:latin typeface="MD개성체" pitchFamily="18" charset="-127"/>
                 <a:ea typeface="MD개성체" pitchFamily="18" charset="-127"/>
               </a:rPr>
               <a:t>개발 범위</a:t>
             </a:r>
-            <a:endParaRPr lang="ko-KR" altLang="en-US" b="1" dirty="0">
-              <a:latin typeface="MD개성체" pitchFamily="18" charset="-127"/>
-              <a:ea typeface="MD개성체" pitchFamily="18" charset="-127"/>
-            </a:endParaRPr>
           </a:p>
         </p:txBody>
       </p:sp>
@@ -5083,8 +5034,20 @@
                 <a:tableStyleId>{5C22544A-7EE6-4342-B048-85BDC9FD1C3A}</a:tableStyleId>
               </a:tblPr>
               <a:tblGrid>
-                <a:gridCol w="1092342"/>
-                <a:gridCol w="7137258"/>
+                <a:gridCol w="1092342">
+                  <a:extLst>
+                    <a:ext uri="{9D8B030D-6E8A-4147-A177-3AD203B41FA5}">
+                      <a16:colId xmlns:a16="http://schemas.microsoft.com/office/drawing/2014/main" val="20000"/>
+                    </a:ext>
+                  </a:extLst>
+                </a:gridCol>
+                <a:gridCol w="7137258">
+                  <a:extLst>
+                    <a:ext uri="{9D8B030D-6E8A-4147-A177-3AD203B41FA5}">
+                      <a16:colId xmlns:a16="http://schemas.microsoft.com/office/drawing/2014/main" val="20001"/>
+                    </a:ext>
+                  </a:extLst>
+                </a:gridCol>
               </a:tblGrid>
               <a:tr h="276224">
                 <a:tc>
@@ -5094,10 +5057,9 @@
                     <a:p>
                       <a:pPr latinLnBrk="1"/>
                       <a:r>
-                        <a:rPr lang="ko-KR" altLang="en-US" sz="1100" dirty="0" smtClean="0"/>
+                        <a:rPr lang="ko-KR" altLang="en-US" sz="1100" dirty="0"/>
                         <a:t>내용</a:t>
                       </a:r>
-                      <a:endParaRPr lang="ko-KR" altLang="en-US" sz="1100" dirty="0"/>
                     </a:p>
                   </a:txBody>
                   <a:tcPr marT="34290" marB="34290">
@@ -5117,10 +5079,9 @@
                     <a:p>
                       <a:pPr latinLnBrk="1"/>
                       <a:r>
-                        <a:rPr lang="ko-KR" altLang="en-US" sz="1400" dirty="0" smtClean="0"/>
+                        <a:rPr lang="ko-KR" altLang="en-US" sz="1400" dirty="0"/>
                         <a:t>범위</a:t>
                       </a:r>
-                      <a:endParaRPr lang="ko-KR" altLang="en-US" sz="1400" dirty="0"/>
                     </a:p>
                   </a:txBody>
                   <a:tcPr marT="34290" marB="34290">
@@ -5133,6 +5094,11 @@
                     </a:solidFill>
                   </a:tcPr>
                 </a:tc>
+                <a:extLst>
+                  <a:ext uri="{0D108BD9-81ED-4DB2-BD59-A6C34878D82A}">
+                    <a16:rowId xmlns:a16="http://schemas.microsoft.com/office/drawing/2014/main" val="10000"/>
+                  </a:ext>
+                </a:extLst>
               </a:tr>
               <a:tr h="365760">
                 <a:tc>
@@ -5142,10 +5108,9 @@
                     <a:p>
                       <a:pPr latinLnBrk="1"/>
                       <a:r>
-                        <a:rPr lang="ko-KR" altLang="en-US" sz="1000" b="1" dirty="0" smtClean="0"/>
+                        <a:rPr lang="ko-KR" altLang="en-US" sz="1000" b="1" dirty="0"/>
                         <a:t>캐릭터 컨트롤</a:t>
                       </a:r>
-                      <a:endParaRPr lang="ko-KR" altLang="en-US" sz="1000" b="1" dirty="0"/>
                     </a:p>
                   </a:txBody>
                   <a:tcPr marT="34290" marB="34290">
@@ -5165,50 +5130,50 @@
                     <a:p>
                       <a:pPr latinLnBrk="1"/>
                       <a:r>
-                        <a:rPr lang="ko-KR" altLang="en-US" sz="1000" b="1" dirty="0" smtClean="0"/>
+                        <a:rPr lang="ko-KR" altLang="en-US" sz="1000" b="1" dirty="0"/>
                         <a:t>무조건 앞으로 전진</a:t>
                       </a:r>
                       <a:r>
-                        <a:rPr lang="en-US" altLang="ko-KR" sz="1000" b="1" dirty="0" smtClean="0"/>
+                        <a:rPr lang="en-US" altLang="ko-KR" sz="1000" b="1" dirty="0"/>
                         <a:t>.</a:t>
                       </a:r>
                     </a:p>
                     <a:p>
                       <a:pPr latinLnBrk="1"/>
                       <a:r>
-                        <a:rPr lang="ko-KR" altLang="en-US" sz="1000" b="1" dirty="0" smtClean="0"/>
+                        <a:rPr lang="ko-KR" altLang="en-US" sz="1000" b="1" dirty="0"/>
                         <a:t>각 방향 마다 좌우 앞뒤로 </a:t>
                       </a:r>
                       <a:r>
-                        <a:rPr lang="en-US" altLang="ko-KR" sz="1000" b="1" dirty="0" smtClean="0"/>
+                        <a:rPr lang="en-US" altLang="ko-KR" sz="1000" b="1" dirty="0"/>
                         <a:t>ex)</a:t>
                       </a:r>
                       <a:r>
-                        <a:rPr lang="en-US" altLang="ko-KR" sz="1000" b="1" baseline="0" dirty="0" smtClean="0"/>
+                        <a:rPr lang="en-US" altLang="ko-KR" sz="1000" b="1" baseline="0" dirty="0"/>
                         <a:t> </a:t>
                       </a:r>
                       <a:r>
-                        <a:rPr lang="ko-KR" altLang="en-US" sz="1000" b="1" baseline="0" dirty="0" err="1" smtClean="0"/>
+                        <a:rPr lang="ko-KR" altLang="en-US" sz="1000" b="1" baseline="0" dirty="0" err="1"/>
                         <a:t>정면일땐</a:t>
                       </a:r>
                       <a:r>
-                        <a:rPr lang="ko-KR" altLang="en-US" sz="1000" b="1" baseline="0" dirty="0" smtClean="0"/>
+                        <a:rPr lang="ko-KR" altLang="en-US" sz="1000" b="1" baseline="0" dirty="0"/>
                         <a:t> 좌우</a:t>
                       </a:r>
                       <a:r>
-                        <a:rPr lang="en-US" altLang="ko-KR" sz="1000" b="1" baseline="0" dirty="0" smtClean="0"/>
+                        <a:rPr lang="en-US" altLang="ko-KR" sz="1000" b="1" baseline="0" dirty="0"/>
                         <a:t>, </a:t>
                       </a:r>
                       <a:r>
-                        <a:rPr lang="ko-KR" altLang="en-US" sz="1000" b="1" baseline="0" dirty="0" smtClean="0"/>
+                        <a:rPr lang="ko-KR" altLang="en-US" sz="1000" b="1" baseline="0" dirty="0"/>
                         <a:t>좌우 </a:t>
                       </a:r>
                       <a:r>
-                        <a:rPr lang="ko-KR" altLang="en-US" sz="1000" b="1" baseline="0" dirty="0" err="1" smtClean="0"/>
+                        <a:rPr lang="ko-KR" altLang="en-US" sz="1000" b="1" baseline="0" dirty="0" err="1"/>
                         <a:t>일땐</a:t>
                       </a:r>
                       <a:r>
-                        <a:rPr lang="ko-KR" altLang="en-US" sz="1000" b="1" baseline="0" dirty="0" smtClean="0"/>
+                        <a:rPr lang="ko-KR" altLang="en-US" sz="1000" b="1" baseline="0" dirty="0"/>
                         <a:t> 위 아래</a:t>
                       </a:r>
                       <a:endParaRPr lang="ko-KR" altLang="en-US" sz="1000" b="1" dirty="0"/>
@@ -5224,6 +5189,11 @@
                     </a:solidFill>
                   </a:tcPr>
                 </a:tc>
+                <a:extLst>
+                  <a:ext uri="{0D108BD9-81ED-4DB2-BD59-A6C34878D82A}">
+                    <a16:rowId xmlns:a16="http://schemas.microsoft.com/office/drawing/2014/main" val="10001"/>
+                  </a:ext>
+                </a:extLst>
               </a:tr>
               <a:tr h="514350">
                 <a:tc>
@@ -5233,10 +5203,9 @@
                     <a:p>
                       <a:pPr latinLnBrk="1"/>
                       <a:r>
-                        <a:rPr lang="ko-KR" altLang="en-US" sz="1000" b="1" dirty="0" smtClean="0"/>
+                        <a:rPr lang="ko-KR" altLang="en-US" sz="1000" b="1" dirty="0"/>
                         <a:t>캐릭터기술</a:t>
                       </a:r>
-                      <a:endParaRPr lang="ko-KR" altLang="en-US" sz="1000" b="1" dirty="0"/>
                     </a:p>
                   </a:txBody>
                   <a:tcPr marT="34290" marB="34290">
@@ -5256,130 +5225,130 @@
                     <a:p>
                       <a:pPr latinLnBrk="1"/>
                       <a:r>
-                        <a:rPr lang="ko-KR" altLang="en-US" sz="1000" b="1" dirty="0" err="1" smtClean="0"/>
+                        <a:rPr lang="ko-KR" altLang="en-US" sz="1000" b="1" dirty="0" err="1"/>
                         <a:t>게임내에서</a:t>
                       </a:r>
                       <a:r>
-                        <a:rPr lang="ko-KR" altLang="en-US" sz="1000" b="1" dirty="0" smtClean="0"/>
+                        <a:rPr lang="ko-KR" altLang="en-US" sz="1000" b="1" dirty="0"/>
                         <a:t> 사람들을 구하고 조합하여 능력 효과 증폭</a:t>
                       </a:r>
                       <a:r>
-                        <a:rPr lang="en-US" altLang="ko-KR" sz="1000" b="1" dirty="0" smtClean="0"/>
+                        <a:rPr lang="en-US" altLang="ko-KR" sz="1000" b="1" dirty="0"/>
                         <a:t>,</a:t>
                       </a:r>
                       <a:r>
-                        <a:rPr lang="ko-KR" altLang="en-US" sz="1000" b="1" dirty="0" smtClean="0"/>
+                        <a:rPr lang="ko-KR" altLang="en-US" sz="1000" b="1" dirty="0"/>
                         <a:t> 탈출 </a:t>
                       </a:r>
                       <a:r>
-                        <a:rPr lang="ko-KR" altLang="en-US" sz="1000" b="1" dirty="0" err="1" smtClean="0"/>
+                        <a:rPr lang="ko-KR" altLang="en-US" sz="1000" b="1" dirty="0" err="1"/>
                         <a:t>시킬때마다</a:t>
                       </a:r>
                       <a:r>
-                        <a:rPr lang="ko-KR" altLang="en-US" sz="1000" b="1" dirty="0" smtClean="0"/>
+                        <a:rPr lang="ko-KR" altLang="en-US" sz="1000" b="1" dirty="0"/>
                         <a:t> </a:t>
                       </a:r>
                       <a:r>
-                        <a:rPr lang="ko-KR" altLang="en-US" sz="1000" b="1" dirty="0" err="1" smtClean="0"/>
+                        <a:rPr lang="ko-KR" altLang="en-US" sz="1000" b="1" dirty="0" err="1"/>
                         <a:t>능력치</a:t>
                       </a:r>
                       <a:r>
-                        <a:rPr lang="ko-KR" altLang="en-US" sz="1000" b="1" dirty="0" smtClean="0"/>
+                        <a:rPr lang="ko-KR" altLang="en-US" sz="1000" b="1" dirty="0"/>
                         <a:t> 획득</a:t>
                       </a:r>
-                      <a:endParaRPr lang="en-US" altLang="ko-KR" sz="1000" b="1" dirty="0" smtClean="0"/>
+                      <a:endParaRPr lang="en-US" altLang="ko-KR" sz="1000" b="1" dirty="0"/>
                     </a:p>
                     <a:p>
                       <a:pPr latinLnBrk="1"/>
                       <a:r>
-                        <a:rPr lang="ko-KR" altLang="en-US" sz="1000" b="1" dirty="0" smtClean="0"/>
+                        <a:rPr lang="ko-KR" altLang="en-US" sz="1000" b="1" dirty="0"/>
                         <a:t>구하기</a:t>
                       </a:r>
                       <a:r>
-                        <a:rPr lang="en-US" altLang="ko-KR" sz="1000" b="1" dirty="0" smtClean="0"/>
+                        <a:rPr lang="en-US" altLang="ko-KR" sz="1000" b="1" dirty="0"/>
                         <a:t>(</a:t>
                       </a:r>
                       <a:r>
-                        <a:rPr lang="ko-KR" altLang="en-US" sz="1000" b="1" dirty="0" err="1" smtClean="0"/>
+                        <a:rPr lang="ko-KR" altLang="en-US" sz="1000" b="1" dirty="0" err="1"/>
                         <a:t>능력치</a:t>
                       </a:r>
                       <a:r>
-                        <a:rPr lang="ko-KR" altLang="en-US" sz="1000" b="1" dirty="0" smtClean="0"/>
+                        <a:rPr lang="ko-KR" altLang="en-US" sz="1000" b="1" dirty="0"/>
                         <a:t> 혹은 </a:t>
                       </a:r>
                       <a:r>
-                        <a:rPr lang="ko-KR" altLang="en-US" sz="1000" b="1" dirty="0" err="1" smtClean="0"/>
+                        <a:rPr lang="ko-KR" altLang="en-US" sz="1000" b="1" dirty="0" err="1"/>
                         <a:t>패시브</a:t>
                       </a:r>
                       <a:r>
-                        <a:rPr lang="ko-KR" altLang="en-US" sz="1000" b="1" dirty="0" smtClean="0"/>
+                        <a:rPr lang="ko-KR" altLang="en-US" sz="1000" b="1" dirty="0"/>
                         <a:t> 생성</a:t>
                       </a:r>
                       <a:r>
-                        <a:rPr lang="en-US" altLang="ko-KR" sz="1000" b="1" dirty="0" smtClean="0"/>
+                        <a:rPr lang="en-US" altLang="ko-KR" sz="1000" b="1" dirty="0"/>
                         <a:t>), </a:t>
                       </a:r>
                       <a:r>
-                        <a:rPr lang="ko-KR" altLang="en-US" sz="1000" b="1" dirty="0" smtClean="0"/>
+                        <a:rPr lang="ko-KR" altLang="en-US" sz="1000" b="1" dirty="0"/>
                         <a:t>조합</a:t>
                       </a:r>
                       <a:r>
-                        <a:rPr lang="en-US" altLang="ko-KR" sz="1000" b="1" dirty="0" smtClean="0"/>
+                        <a:rPr lang="en-US" altLang="ko-KR" sz="1000" b="1" dirty="0"/>
                         <a:t>(</a:t>
                       </a:r>
                       <a:r>
-                        <a:rPr lang="ko-KR" altLang="en-US" sz="1000" b="1" dirty="0" smtClean="0"/>
+                        <a:rPr lang="ko-KR" altLang="en-US" sz="1000" b="1" dirty="0"/>
                         <a:t>강화</a:t>
                       </a:r>
                       <a:r>
-                        <a:rPr lang="en-US" altLang="ko-KR" sz="1000" b="1" dirty="0" smtClean="0"/>
+                        <a:rPr lang="en-US" altLang="ko-KR" sz="1000" b="1" dirty="0"/>
                         <a:t>),</a:t>
                       </a:r>
                       <a:r>
-                        <a:rPr lang="en-US" altLang="ko-KR" sz="1000" b="1" baseline="0" dirty="0" smtClean="0"/>
+                        <a:rPr lang="en-US" altLang="ko-KR" sz="1000" b="1" baseline="0" dirty="0"/>
                         <a:t> </a:t>
                       </a:r>
                       <a:r>
-                        <a:rPr lang="ko-KR" altLang="en-US" sz="1000" b="1" baseline="0" dirty="0" smtClean="0"/>
+                        <a:rPr lang="ko-KR" altLang="en-US" sz="1000" b="1" baseline="0" dirty="0"/>
                         <a:t>탈출</a:t>
                       </a:r>
                       <a:r>
-                        <a:rPr lang="en-US" altLang="ko-KR" sz="1000" b="1" baseline="0" dirty="0" smtClean="0"/>
+                        <a:rPr lang="en-US" altLang="ko-KR" sz="1000" b="1" baseline="0" dirty="0"/>
                         <a:t>(</a:t>
                       </a:r>
                       <a:r>
-                        <a:rPr lang="ko-KR" altLang="en-US" sz="1000" b="1" baseline="0" dirty="0" smtClean="0"/>
+                        <a:rPr lang="ko-KR" altLang="en-US" sz="1000" b="1" baseline="0" dirty="0"/>
                         <a:t>주인공 최종 적용</a:t>
                       </a:r>
                       <a:r>
-                        <a:rPr lang="en-US" altLang="ko-KR" sz="1000" b="1" baseline="0" dirty="0" smtClean="0"/>
+                        <a:rPr lang="en-US" altLang="ko-KR" sz="1000" b="1" baseline="0" dirty="0"/>
                         <a:t>)</a:t>
                       </a:r>
                     </a:p>
                     <a:p>
                       <a:pPr latinLnBrk="1"/>
                       <a:r>
-                        <a:rPr lang="ko-KR" altLang="en-US" sz="1000" b="1" baseline="0" dirty="0" smtClean="0"/>
+                        <a:rPr lang="ko-KR" altLang="en-US" sz="1000" b="1" baseline="0" dirty="0"/>
                         <a:t>하이클래스 사람을 </a:t>
                       </a:r>
                       <a:r>
-                        <a:rPr lang="ko-KR" altLang="en-US" sz="1000" b="1" baseline="0" dirty="0" err="1" smtClean="0"/>
+                        <a:rPr lang="ko-KR" altLang="en-US" sz="1000" b="1" baseline="0" dirty="0" err="1"/>
                         <a:t>구할때</a:t>
                       </a:r>
                       <a:r>
-                        <a:rPr lang="ko-KR" altLang="en-US" sz="1000" b="1" baseline="0" dirty="0" smtClean="0"/>
+                        <a:rPr lang="ko-KR" altLang="en-US" sz="1000" b="1" baseline="0" dirty="0"/>
                         <a:t> 특수능력 생성</a:t>
                       </a:r>
                       <a:r>
-                        <a:rPr lang="en-US" altLang="ko-KR" sz="1000" b="1" baseline="0" dirty="0" smtClean="0"/>
+                        <a:rPr lang="en-US" altLang="ko-KR" sz="1000" b="1" baseline="0" dirty="0"/>
                         <a:t>, </a:t>
                       </a:r>
                       <a:r>
-                        <a:rPr lang="ko-KR" altLang="en-US" sz="1000" b="1" baseline="0" dirty="0" err="1" smtClean="0"/>
+                        <a:rPr lang="ko-KR" altLang="en-US" sz="1000" b="1" baseline="0" dirty="0" err="1"/>
                         <a:t>탈출시킬시</a:t>
                       </a:r>
                       <a:r>
-                        <a:rPr lang="ko-KR" altLang="en-US" sz="1000" b="1" baseline="0" dirty="0" smtClean="0"/>
+                        <a:rPr lang="ko-KR" altLang="en-US" sz="1000" b="1" baseline="0" dirty="0"/>
                         <a:t> 특수능력 획득</a:t>
                       </a:r>
                       <a:endParaRPr lang="ko-KR" altLang="en-US" sz="1000" b="1" dirty="0"/>
@@ -5395,6 +5364,11 @@
                     </a:solidFill>
                   </a:tcPr>
                 </a:tc>
+                <a:extLst>
+                  <a:ext uri="{0D108BD9-81ED-4DB2-BD59-A6C34878D82A}">
+                    <a16:rowId xmlns:a16="http://schemas.microsoft.com/office/drawing/2014/main" val="10002"/>
+                  </a:ext>
+                </a:extLst>
               </a:tr>
               <a:tr h="365760">
                 <a:tc>
@@ -5404,7 +5378,7 @@
                     <a:p>
                       <a:pPr latinLnBrk="1"/>
                       <a:r>
-                        <a:rPr lang="ko-KR" altLang="en-US" sz="1000" b="1" dirty="0" err="1" smtClean="0"/>
+                        <a:rPr lang="ko-KR" altLang="en-US" sz="1000" b="1" dirty="0" err="1"/>
                         <a:t>맵</a:t>
                       </a:r>
                       <a:endParaRPr lang="ko-KR" altLang="en-US" sz="1000" b="1" dirty="0"/>
@@ -5427,51 +5401,51 @@
                     <a:p>
                       <a:pPr latinLnBrk="1"/>
                       <a:r>
-                        <a:rPr lang="ko-KR" altLang="en-US" sz="1000" b="1" dirty="0" smtClean="0"/>
+                        <a:rPr lang="ko-KR" altLang="en-US" sz="1000" b="1" dirty="0"/>
                         <a:t>테마는 </a:t>
                       </a:r>
                       <a:r>
-                        <a:rPr lang="en-US" altLang="ko-KR" sz="1000" b="1" dirty="0" smtClean="0"/>
+                        <a:rPr lang="en-US" altLang="ko-KR" sz="1000" b="1" dirty="0"/>
                         <a:t>3</a:t>
                       </a:r>
                       <a:r>
-                        <a:rPr lang="ko-KR" altLang="en-US" sz="1000" b="1" dirty="0" smtClean="0"/>
+                        <a:rPr lang="ko-KR" altLang="en-US" sz="1000" b="1" dirty="0"/>
                         <a:t>개</a:t>
                       </a:r>
                       <a:r>
-                        <a:rPr lang="en-US" altLang="ko-KR" sz="1000" b="1" dirty="0" smtClean="0"/>
+                        <a:rPr lang="en-US" altLang="ko-KR" sz="1000" b="1" dirty="0"/>
                         <a:t>(</a:t>
                       </a:r>
                       <a:r>
-                        <a:rPr lang="ko-KR" altLang="en-US" sz="1000" b="1" dirty="0" smtClean="0"/>
+                        <a:rPr lang="ko-KR" altLang="en-US" sz="1000" b="1" dirty="0"/>
                         <a:t>성</a:t>
                       </a:r>
                       <a:r>
-                        <a:rPr lang="en-US" altLang="ko-KR" sz="1000" b="1" dirty="0" smtClean="0"/>
+                        <a:rPr lang="en-US" altLang="ko-KR" sz="1000" b="1" dirty="0"/>
                         <a:t>, </a:t>
                       </a:r>
                       <a:r>
-                        <a:rPr lang="ko-KR" altLang="en-US" sz="1000" b="1" dirty="0" smtClean="0"/>
+                        <a:rPr lang="ko-KR" altLang="en-US" sz="1000" b="1" dirty="0"/>
                         <a:t>마을</a:t>
                       </a:r>
                       <a:r>
-                        <a:rPr lang="en-US" altLang="ko-KR" sz="1000" b="1" dirty="0" smtClean="0"/>
+                        <a:rPr lang="en-US" altLang="ko-KR" sz="1000" b="1" dirty="0"/>
                         <a:t>, </a:t>
                       </a:r>
                       <a:r>
-                        <a:rPr lang="ko-KR" altLang="en-US" sz="1000" b="1" dirty="0" smtClean="0"/>
+                        <a:rPr lang="ko-KR" altLang="en-US" sz="1000" b="1" dirty="0"/>
                         <a:t>숲과</a:t>
                       </a:r>
                       <a:r>
-                        <a:rPr lang="en-US" altLang="ko-KR" sz="1000" b="1" dirty="0" smtClean="0"/>
+                        <a:rPr lang="en-US" altLang="ko-KR" sz="1000" b="1" dirty="0"/>
                         <a:t> </a:t>
                       </a:r>
                       <a:r>
-                        <a:rPr lang="ko-KR" altLang="en-US" sz="1000" b="1" dirty="0" smtClean="0"/>
+                        <a:rPr lang="ko-KR" altLang="en-US" sz="1000" b="1" dirty="0"/>
                         <a:t>초원</a:t>
                       </a:r>
                       <a:r>
-                        <a:rPr lang="en-US" altLang="ko-KR" sz="1000" b="1" dirty="0" smtClean="0"/>
+                        <a:rPr lang="en-US" altLang="ko-KR" sz="1000" b="1" dirty="0"/>
                         <a:t>) </a:t>
                       </a:r>
                     </a:p>
@@ -5490,6 +5464,11 @@
                     </a:solidFill>
                   </a:tcPr>
                 </a:tc>
+                <a:extLst>
+                  <a:ext uri="{0D108BD9-81ED-4DB2-BD59-A6C34878D82A}">
+                    <a16:rowId xmlns:a16="http://schemas.microsoft.com/office/drawing/2014/main" val="10003"/>
+                  </a:ext>
+                </a:extLst>
               </a:tr>
               <a:tr h="662940">
                 <a:tc>
@@ -5499,10 +5478,10 @@
                     <a:p>
                       <a:pPr latinLnBrk="1"/>
                       <a:r>
-                        <a:rPr lang="ko-KR" altLang="en-US" sz="1000" b="1" dirty="0" smtClean="0"/>
+                        <a:rPr lang="ko-KR" altLang="en-US" sz="1000" b="1" dirty="0"/>
                         <a:t>게임 코어 기능</a:t>
                       </a:r>
-                      <a:endParaRPr lang="en-US" altLang="ko-KR" sz="1000" b="1" dirty="0" smtClean="0"/>
+                      <a:endParaRPr lang="en-US" altLang="ko-KR" sz="1000" b="1" dirty="0"/>
                     </a:p>
                   </a:txBody>
                   <a:tcPr marT="34290" marB="34290">
@@ -5522,167 +5501,167 @@
                     <a:p>
                       <a:pPr latinLnBrk="1"/>
                       <a:r>
-                        <a:rPr lang="ko-KR" altLang="en-US" sz="1000" b="1" dirty="0" smtClean="0"/>
+                        <a:rPr lang="ko-KR" altLang="en-US" sz="1000" b="1" dirty="0"/>
                         <a:t>사람들을 </a:t>
                       </a:r>
                       <a:r>
-                        <a:rPr lang="ko-KR" altLang="en-US" sz="1000" b="1" dirty="0" err="1" smtClean="0"/>
+                        <a:rPr lang="ko-KR" altLang="en-US" sz="1000" b="1" dirty="0" err="1"/>
                         <a:t>구할때마다</a:t>
                       </a:r>
                       <a:r>
-                        <a:rPr lang="ko-KR" altLang="en-US" sz="1000" b="1" dirty="0" smtClean="0"/>
+                        <a:rPr lang="ko-KR" altLang="en-US" sz="1000" b="1" dirty="0"/>
                         <a:t> </a:t>
                       </a:r>
                       <a:r>
-                        <a:rPr lang="ko-KR" altLang="en-US" sz="1000" b="1" dirty="0" err="1" smtClean="0"/>
+                        <a:rPr lang="ko-KR" altLang="en-US" sz="1000" b="1" dirty="0" err="1"/>
                         <a:t>능력치</a:t>
                       </a:r>
                       <a:r>
-                        <a:rPr lang="ko-KR" altLang="en-US" sz="1000" b="1" dirty="0" smtClean="0"/>
+                        <a:rPr lang="ko-KR" altLang="en-US" sz="1000" b="1" dirty="0"/>
                         <a:t> 생성</a:t>
                       </a:r>
                       <a:r>
-                        <a:rPr lang="en-US" altLang="ko-KR" sz="1000" b="1" dirty="0" smtClean="0"/>
+                        <a:rPr lang="en-US" altLang="ko-KR" sz="1000" b="1" dirty="0"/>
                         <a:t>, </a:t>
                       </a:r>
                       <a:r>
-                        <a:rPr lang="ko-KR" altLang="en-US" sz="1000" b="1" dirty="0" smtClean="0"/>
+                        <a:rPr lang="ko-KR" altLang="en-US" sz="1000" b="1" dirty="0"/>
                         <a:t>탈출시켜 </a:t>
                       </a:r>
                       <a:r>
-                        <a:rPr lang="ko-KR" altLang="en-US" sz="1000" b="1" dirty="0" err="1" smtClean="0"/>
+                        <a:rPr lang="ko-KR" altLang="en-US" sz="1000" b="1" dirty="0" err="1"/>
                         <a:t>능력치</a:t>
                       </a:r>
                       <a:r>
-                        <a:rPr lang="ko-KR" altLang="en-US" sz="1000" b="1" dirty="0" smtClean="0"/>
+                        <a:rPr lang="ko-KR" altLang="en-US" sz="1000" b="1" dirty="0"/>
                         <a:t> 획득</a:t>
                       </a:r>
                       <a:r>
-                        <a:rPr lang="en-US" altLang="ko-KR" sz="1000" b="1" dirty="0" smtClean="0"/>
+                        <a:rPr lang="en-US" altLang="ko-KR" sz="1000" b="1" dirty="0"/>
                         <a:t>, </a:t>
                       </a:r>
                       <a:r>
-                        <a:rPr lang="ko-KR" altLang="en-US" sz="1000" b="1" dirty="0" smtClean="0"/>
+                        <a:rPr lang="ko-KR" altLang="en-US" sz="1000" b="1" dirty="0"/>
                         <a:t>더 강한 감옥을 부시기 위한 육성</a:t>
                       </a:r>
-                      <a:endParaRPr lang="en-US" altLang="ko-KR" sz="1000" b="1" dirty="0" smtClean="0"/>
+                      <a:endParaRPr lang="en-US" altLang="ko-KR" sz="1000" b="1" dirty="0"/>
                     </a:p>
                     <a:p>
                       <a:pPr latinLnBrk="1"/>
                       <a:r>
-                        <a:rPr lang="ko-KR" altLang="en-US" sz="1000" b="1" dirty="0" smtClean="0"/>
+                        <a:rPr lang="ko-KR" altLang="en-US" sz="1000" b="1" dirty="0"/>
                         <a:t>탈출시킨 인원과 클래스에 따라 </a:t>
                       </a:r>
                       <a:r>
-                        <a:rPr lang="en-US" altLang="ko-KR" sz="1000" b="1" dirty="0" smtClean="0"/>
+                        <a:rPr lang="en-US" altLang="ko-KR" sz="1000" b="1" dirty="0"/>
                         <a:t>‘</a:t>
                       </a:r>
                       <a:r>
-                        <a:rPr lang="ko-KR" altLang="en-US" sz="1000" b="1" dirty="0" smtClean="0"/>
+                        <a:rPr lang="ko-KR" altLang="en-US" sz="1000" b="1" dirty="0"/>
                         <a:t>생명</a:t>
                       </a:r>
                       <a:r>
-                        <a:rPr lang="en-US" altLang="ko-KR" sz="1000" b="1" dirty="0" smtClean="0"/>
+                        <a:rPr lang="en-US" altLang="ko-KR" sz="1000" b="1" dirty="0"/>
                         <a:t>’</a:t>
                       </a:r>
                       <a:r>
-                        <a:rPr lang="ko-KR" altLang="en-US" sz="1000" b="1" dirty="0" smtClean="0"/>
+                        <a:rPr lang="ko-KR" altLang="en-US" sz="1000" b="1" dirty="0"/>
                         <a:t>획득</a:t>
                       </a:r>
                       <a:r>
-                        <a:rPr lang="en-US" altLang="ko-KR" sz="1000" b="1" dirty="0" smtClean="0"/>
+                        <a:rPr lang="en-US" altLang="ko-KR" sz="1000" b="1" dirty="0"/>
                         <a:t>,</a:t>
                       </a:r>
                       <a:r>
-                        <a:rPr lang="en-US" altLang="ko-KR" sz="1000" b="1" baseline="0" dirty="0" smtClean="0"/>
+                        <a:rPr lang="en-US" altLang="ko-KR" sz="1000" b="1" baseline="0" dirty="0"/>
                         <a:t> ‘</a:t>
                       </a:r>
                       <a:r>
-                        <a:rPr lang="ko-KR" altLang="en-US" sz="1000" b="1" baseline="0" dirty="0" smtClean="0"/>
+                        <a:rPr lang="ko-KR" altLang="en-US" sz="1000" b="1" baseline="0" dirty="0"/>
                         <a:t>생명</a:t>
                       </a:r>
                       <a:r>
-                        <a:rPr lang="en-US" altLang="ko-KR" sz="1000" b="1" baseline="0" dirty="0" smtClean="0"/>
+                        <a:rPr lang="en-US" altLang="ko-KR" sz="1000" b="1" baseline="0" dirty="0"/>
                         <a:t>’</a:t>
                       </a:r>
                       <a:r>
-                        <a:rPr lang="ko-KR" altLang="en-US" sz="1000" b="1" baseline="0" dirty="0" smtClean="0"/>
+                        <a:rPr lang="ko-KR" altLang="en-US" sz="1000" b="1" baseline="0" dirty="0"/>
                         <a:t>을 </a:t>
                       </a:r>
                       <a:r>
-                        <a:rPr lang="en-US" altLang="ko-KR" sz="1000" b="1" baseline="0" dirty="0" smtClean="0"/>
+                        <a:rPr lang="en-US" altLang="ko-KR" sz="1000" b="1" baseline="0" dirty="0"/>
                         <a:t>‘</a:t>
                       </a:r>
                       <a:r>
-                        <a:rPr lang="ko-KR" altLang="en-US" sz="1000" b="1" baseline="0" dirty="0" smtClean="0"/>
+                        <a:rPr lang="ko-KR" altLang="en-US" sz="1000" b="1" baseline="0" dirty="0"/>
                         <a:t>시간</a:t>
                       </a:r>
                       <a:r>
-                        <a:rPr lang="en-US" altLang="ko-KR" sz="1000" b="1" baseline="0" dirty="0" smtClean="0"/>
+                        <a:rPr lang="en-US" altLang="ko-KR" sz="1000" b="1" baseline="0" dirty="0"/>
                         <a:t>’ </a:t>
                       </a:r>
                       <a:r>
-                        <a:rPr lang="ko-KR" altLang="en-US" sz="1000" b="1" baseline="0" dirty="0" smtClean="0"/>
+                        <a:rPr lang="ko-KR" altLang="en-US" sz="1000" b="1" baseline="0" dirty="0"/>
                         <a:t>으로 바꿔서 더 많은 사람들을 구함</a:t>
                       </a:r>
                       <a:r>
-                        <a:rPr lang="en-US" altLang="ko-KR" sz="1000" b="1" baseline="0" dirty="0" smtClean="0"/>
+                        <a:rPr lang="en-US" altLang="ko-KR" sz="1000" b="1" baseline="0" dirty="0"/>
                         <a:t>, </a:t>
                       </a:r>
                       <a:r>
-                        <a:rPr lang="ko-KR" altLang="en-US" sz="1000" b="1" baseline="0" dirty="0" smtClean="0"/>
+                        <a:rPr lang="ko-KR" altLang="en-US" sz="1000" b="1" baseline="0" dirty="0"/>
                         <a:t>시간이 다 되면 다시 돌아옴</a:t>
                       </a:r>
                       <a:r>
-                        <a:rPr lang="en-US" altLang="ko-KR" sz="1000" b="1" baseline="0" dirty="0" smtClean="0"/>
+                        <a:rPr lang="en-US" altLang="ko-KR" sz="1000" b="1" baseline="0" dirty="0"/>
                         <a:t>, </a:t>
                       </a:r>
                       <a:r>
-                        <a:rPr lang="ko-KR" altLang="en-US" sz="1000" b="1" baseline="0" dirty="0" smtClean="0"/>
+                        <a:rPr lang="ko-KR" altLang="en-US" sz="1000" b="1" baseline="0" dirty="0"/>
                         <a:t>주어진 </a:t>
                       </a:r>
                       <a:r>
-                        <a:rPr lang="en-US" altLang="ko-KR" sz="1000" b="1" baseline="0" dirty="0" smtClean="0"/>
+                        <a:rPr lang="en-US" altLang="ko-KR" sz="1000" b="1" baseline="0" dirty="0"/>
                         <a:t>‘</a:t>
                       </a:r>
                       <a:r>
-                        <a:rPr lang="ko-KR" altLang="en-US" sz="1000" b="1" baseline="0" dirty="0" smtClean="0"/>
+                        <a:rPr lang="ko-KR" altLang="en-US" sz="1000" b="1" baseline="0" dirty="0"/>
                         <a:t>시간</a:t>
                       </a:r>
                       <a:r>
-                        <a:rPr lang="en-US" altLang="ko-KR" sz="1000" b="1" baseline="0" dirty="0" smtClean="0"/>
+                        <a:rPr lang="en-US" altLang="ko-KR" sz="1000" b="1" baseline="0" dirty="0"/>
                         <a:t>’ </a:t>
                       </a:r>
                       <a:r>
-                        <a:rPr lang="ko-KR" altLang="en-US" sz="1000" b="1" baseline="0" dirty="0" smtClean="0"/>
+                        <a:rPr lang="ko-KR" altLang="en-US" sz="1000" b="1" baseline="0" dirty="0"/>
                         <a:t>을 포기하고 </a:t>
                       </a:r>
                       <a:r>
-                        <a:rPr lang="ko-KR" altLang="en-US" sz="1000" b="1" baseline="0" dirty="0" err="1" smtClean="0"/>
+                        <a:rPr lang="ko-KR" altLang="en-US" sz="1000" b="1" baseline="0" dirty="0" err="1"/>
                         <a:t>돌아올수</a:t>
                       </a:r>
                       <a:r>
-                        <a:rPr lang="ko-KR" altLang="en-US" sz="1000" b="1" baseline="0" dirty="0" smtClean="0"/>
+                        <a:rPr lang="ko-KR" altLang="en-US" sz="1000" b="1" baseline="0" dirty="0"/>
                         <a:t> 있음 </a:t>
                       </a:r>
-                      <a:endParaRPr lang="en-US" altLang="ko-KR" sz="1000" b="1" baseline="0" dirty="0" smtClean="0"/>
+                      <a:endParaRPr lang="en-US" altLang="ko-KR" sz="1000" b="1" baseline="0" dirty="0"/>
                     </a:p>
                     <a:p>
                       <a:pPr latinLnBrk="1"/>
                       <a:r>
-                        <a:rPr lang="ko-KR" altLang="en-US" sz="1000" b="1" baseline="0" dirty="0" smtClean="0"/>
+                        <a:rPr lang="ko-KR" altLang="en-US" sz="1000" b="1" baseline="0" dirty="0"/>
                         <a:t>최종 </a:t>
                       </a:r>
                       <a:r>
-                        <a:rPr lang="ko-KR" altLang="en-US" sz="1000" b="1" baseline="0" dirty="0" err="1" smtClean="0"/>
+                        <a:rPr lang="ko-KR" altLang="en-US" sz="1000" b="1" baseline="0" dirty="0" err="1"/>
                         <a:t>능력치에</a:t>
                       </a:r>
                       <a:r>
-                        <a:rPr lang="ko-KR" altLang="en-US" sz="1000" b="1" baseline="0" dirty="0" smtClean="0"/>
+                        <a:rPr lang="ko-KR" altLang="en-US" sz="1000" b="1" baseline="0" dirty="0"/>
                         <a:t> 따라 보스와의 결전 승리 퍼센트가 달라짐</a:t>
                       </a:r>
                       <a:r>
-                        <a:rPr lang="en-US" altLang="ko-KR" sz="1000" b="1" baseline="0" dirty="0" smtClean="0"/>
+                        <a:rPr lang="en-US" altLang="ko-KR" sz="1000" b="1" baseline="0" dirty="0"/>
                         <a:t>.</a:t>
                       </a:r>
                       <a:endParaRPr lang="ko-KR" altLang="en-US" sz="1000" b="1" dirty="0"/>
@@ -5698,6 +5677,11 @@
                     </a:solidFill>
                   </a:tcPr>
                 </a:tc>
+                <a:extLst>
+                  <a:ext uri="{0D108BD9-81ED-4DB2-BD59-A6C34878D82A}">
+                    <a16:rowId xmlns:a16="http://schemas.microsoft.com/office/drawing/2014/main" val="10004"/>
+                  </a:ext>
+                </a:extLst>
               </a:tr>
               <a:tr h="365760">
                 <a:tc>
@@ -5707,10 +5691,9 @@
                     <a:p>
                       <a:pPr latinLnBrk="1"/>
                       <a:r>
-                        <a:rPr lang="ko-KR" altLang="en-US" sz="1000" b="1" dirty="0" smtClean="0"/>
+                        <a:rPr lang="ko-KR" altLang="en-US" sz="1000" b="1" dirty="0"/>
                         <a:t>난이도</a:t>
                       </a:r>
-                      <a:endParaRPr lang="ko-KR" altLang="en-US" sz="1000" b="1" dirty="0"/>
                     </a:p>
                   </a:txBody>
                   <a:tcPr marT="34290" marB="34290">
@@ -5730,86 +5713,85 @@
                     <a:p>
                       <a:pPr latinLnBrk="1"/>
                       <a:r>
-                        <a:rPr lang="en-US" altLang="ko-KR" sz="1000" b="1" dirty="0" smtClean="0"/>
+                        <a:rPr lang="en-US" altLang="ko-KR" sz="1000" b="1" dirty="0"/>
                         <a:t>‘</a:t>
                       </a:r>
                       <a:r>
-                        <a:rPr lang="ko-KR" altLang="en-US" sz="1000" b="1" dirty="0" smtClean="0"/>
+                        <a:rPr lang="ko-KR" altLang="en-US" sz="1000" b="1" dirty="0"/>
                         <a:t>시간</a:t>
                       </a:r>
                       <a:r>
-                        <a:rPr lang="en-US" altLang="ko-KR" sz="1000" b="1" dirty="0" smtClean="0"/>
+                        <a:rPr lang="en-US" altLang="ko-KR" sz="1000" b="1" dirty="0"/>
                         <a:t>’ </a:t>
                       </a:r>
                       <a:r>
-                        <a:rPr lang="ko-KR" altLang="en-US" sz="1000" b="1" dirty="0" smtClean="0"/>
+                        <a:rPr lang="ko-KR" altLang="en-US" sz="1000" b="1" dirty="0"/>
                         <a:t>과 </a:t>
                       </a:r>
                       <a:r>
-                        <a:rPr lang="en-US" altLang="ko-KR" sz="1000" b="1" dirty="0" smtClean="0"/>
+                        <a:rPr lang="en-US" altLang="ko-KR" sz="1000" b="1" dirty="0"/>
                         <a:t>‘</a:t>
                       </a:r>
                       <a:r>
-                        <a:rPr lang="ko-KR" altLang="en-US" sz="1000" b="1" dirty="0" smtClean="0"/>
+                        <a:rPr lang="ko-KR" altLang="en-US" sz="1000" b="1" dirty="0"/>
                         <a:t>생명</a:t>
                       </a:r>
                       <a:r>
-                        <a:rPr lang="en-US" altLang="ko-KR" sz="1000" b="1" dirty="0" smtClean="0"/>
+                        <a:rPr lang="en-US" altLang="ko-KR" sz="1000" b="1" dirty="0"/>
                         <a:t>’ </a:t>
                       </a:r>
                       <a:r>
-                        <a:rPr lang="ko-KR" altLang="en-US" sz="1000" b="1" dirty="0" smtClean="0"/>
+                        <a:rPr lang="ko-KR" altLang="en-US" sz="1000" b="1" dirty="0"/>
                         <a:t>의 교환 비율을 낮춤</a:t>
                       </a:r>
                       <a:r>
-                        <a:rPr lang="en-US" altLang="ko-KR" sz="1000" b="1" dirty="0" smtClean="0"/>
+                        <a:rPr lang="en-US" altLang="ko-KR" sz="1000" b="1" dirty="0"/>
                         <a:t>, </a:t>
                       </a:r>
                       <a:r>
-                        <a:rPr lang="ko-KR" altLang="en-US" sz="1000" b="1" dirty="0" smtClean="0"/>
+                        <a:rPr lang="ko-KR" altLang="en-US" sz="1000" b="1" dirty="0"/>
                         <a:t>감옥을 </a:t>
                       </a:r>
                       <a:r>
-                        <a:rPr lang="ko-KR" altLang="en-US" sz="1000" b="1" dirty="0" err="1" smtClean="0"/>
+                        <a:rPr lang="ko-KR" altLang="en-US" sz="1000" b="1" dirty="0" err="1"/>
                         <a:t>깰수</a:t>
                       </a:r>
                       <a:r>
-                        <a:rPr lang="ko-KR" altLang="en-US" sz="1000" b="1" dirty="0" smtClean="0"/>
+                        <a:rPr lang="ko-KR" altLang="en-US" sz="1000" b="1" dirty="0"/>
                         <a:t> 있는 요구 </a:t>
                       </a:r>
                       <a:r>
-                        <a:rPr lang="ko-KR" altLang="en-US" sz="1000" b="1" dirty="0" err="1" smtClean="0"/>
+                        <a:rPr lang="ko-KR" altLang="en-US" sz="1000" b="1" dirty="0" err="1"/>
                         <a:t>능력치</a:t>
                       </a:r>
                       <a:r>
-                        <a:rPr lang="ko-KR" altLang="en-US" sz="1000" b="1" dirty="0" smtClean="0"/>
+                        <a:rPr lang="ko-KR" altLang="en-US" sz="1000" b="1" dirty="0"/>
                         <a:t> 상향</a:t>
                       </a:r>
                       <a:r>
-                        <a:rPr lang="en-US" altLang="ko-KR" sz="1000" b="1" dirty="0" smtClean="0"/>
+                        <a:rPr lang="en-US" altLang="ko-KR" sz="1000" b="1" dirty="0"/>
                         <a:t>, </a:t>
                       </a:r>
                       <a:r>
-                        <a:rPr lang="ko-KR" altLang="en-US" sz="1000" b="1" dirty="0" smtClean="0"/>
+                        <a:rPr lang="ko-KR" altLang="en-US" sz="1000" b="1" dirty="0"/>
                         <a:t>감옥의 숫자 제한</a:t>
                       </a:r>
                       <a:r>
-                        <a:rPr lang="en-US" altLang="ko-KR" sz="1000" b="1" dirty="0" smtClean="0"/>
+                        <a:rPr lang="en-US" altLang="ko-KR" sz="1000" b="1" dirty="0"/>
                         <a:t>, </a:t>
                       </a:r>
                       <a:r>
-                        <a:rPr lang="ko-KR" altLang="en-US" sz="1000" b="1" dirty="0" smtClean="0"/>
+                        <a:rPr lang="ko-KR" altLang="en-US" sz="1000" b="1" dirty="0"/>
                         <a:t>적의 숫자와 속도 증가</a:t>
                       </a:r>
-                      <a:endParaRPr lang="en-US" altLang="ko-KR" sz="1000" b="1" dirty="0" smtClean="0"/>
+                      <a:endParaRPr lang="en-US" altLang="ko-KR" sz="1000" b="1" dirty="0"/>
                     </a:p>
                     <a:p>
                       <a:pPr latinLnBrk="1"/>
                       <a:r>
-                        <a:rPr lang="ko-KR" altLang="en-US" sz="1000" b="1" dirty="0" smtClean="0"/>
+                        <a:rPr lang="ko-KR" altLang="en-US" sz="1000" b="1" dirty="0"/>
                         <a:t>주인공 시야 감소</a:t>
                       </a:r>
-                      <a:endParaRPr lang="ko-KR" altLang="en-US" sz="1000" b="1" dirty="0"/>
                     </a:p>
                   </a:txBody>
                   <a:tcPr marT="34290" marB="34290">
@@ -5822,6 +5804,11 @@
                     </a:solidFill>
                   </a:tcPr>
                 </a:tc>
+                <a:extLst>
+                  <a:ext uri="{0D108BD9-81ED-4DB2-BD59-A6C34878D82A}">
+                    <a16:rowId xmlns:a16="http://schemas.microsoft.com/office/drawing/2014/main" val="10005"/>
+                  </a:ext>
+                </a:extLst>
               </a:tr>
               <a:tr h="270030">
                 <a:tc>
@@ -5831,10 +5818,9 @@
                     <a:p>
                       <a:pPr latinLnBrk="1"/>
                       <a:r>
-                        <a:rPr lang="ko-KR" altLang="en-US" sz="1000" b="1" dirty="0" smtClean="0"/>
+                        <a:rPr lang="ko-KR" altLang="en-US" sz="1000" b="1" dirty="0"/>
                         <a:t>사운드</a:t>
                       </a:r>
-                      <a:endParaRPr lang="ko-KR" altLang="en-US" sz="1000" b="1" dirty="0"/>
                     </a:p>
                   </a:txBody>
                   <a:tcPr marT="34290" marB="34290">
@@ -5854,31 +5840,31 @@
                     <a:p>
                       <a:pPr latinLnBrk="1"/>
                       <a:r>
-                        <a:rPr lang="ko-KR" altLang="en-US" sz="1000" b="1" dirty="0" smtClean="0"/>
+                        <a:rPr lang="ko-KR" altLang="en-US" sz="1000" b="1" dirty="0"/>
                         <a:t>발자국 소리 극대화</a:t>
                       </a:r>
                       <a:r>
-                        <a:rPr lang="en-US" altLang="ko-KR" sz="1000" b="1" dirty="0" smtClean="0"/>
+                        <a:rPr lang="en-US" altLang="ko-KR" sz="1000" b="1" dirty="0"/>
                         <a:t>, </a:t>
                       </a:r>
                       <a:r>
-                        <a:rPr lang="ko-KR" altLang="en-US" sz="1000" b="1" dirty="0" smtClean="0"/>
+                        <a:rPr lang="ko-KR" altLang="en-US" sz="1000" b="1" dirty="0"/>
                         <a:t>적 접근 사운 극대화</a:t>
                       </a:r>
                       <a:r>
-                        <a:rPr lang="en-US" altLang="ko-KR" sz="1000" b="1" dirty="0" smtClean="0"/>
+                        <a:rPr lang="en-US" altLang="ko-KR" sz="1000" b="1" dirty="0"/>
                         <a:t>, </a:t>
                       </a:r>
                       <a:r>
-                        <a:rPr lang="ko-KR" altLang="en-US" sz="1000" b="1" baseline="0" dirty="0" smtClean="0"/>
+                        <a:rPr lang="ko-KR" altLang="en-US" sz="1000" b="1" baseline="0" dirty="0"/>
                         <a:t> 그 이외의 사운드는 </a:t>
                       </a:r>
                       <a:r>
-                        <a:rPr lang="ko-KR" altLang="en-US" sz="1000" b="1" baseline="0" dirty="0" err="1" smtClean="0"/>
+                        <a:rPr lang="ko-KR" altLang="en-US" sz="1000" b="1" baseline="0" dirty="0" err="1"/>
                         <a:t>맵별</a:t>
                       </a:r>
                       <a:r>
-                        <a:rPr lang="ko-KR" altLang="en-US" sz="1000" b="1" baseline="0" dirty="0" smtClean="0"/>
+                        <a:rPr lang="ko-KR" altLang="en-US" sz="1000" b="1" baseline="0" dirty="0"/>
                         <a:t> 구현</a:t>
                       </a:r>
                       <a:endParaRPr lang="ko-KR" altLang="en-US" sz="1000" b="1" dirty="0"/>
@@ -5894,6 +5880,11 @@
                     </a:solidFill>
                   </a:tcPr>
                 </a:tc>
+                <a:extLst>
+                  <a:ext uri="{0D108BD9-81ED-4DB2-BD59-A6C34878D82A}">
+                    <a16:rowId xmlns:a16="http://schemas.microsoft.com/office/drawing/2014/main" val="10006"/>
+                  </a:ext>
+                </a:extLst>
               </a:tr>
               <a:tr h="284375">
                 <a:tc>
@@ -5903,10 +5894,9 @@
                     <a:p>
                       <a:pPr latinLnBrk="1"/>
                       <a:r>
-                        <a:rPr lang="ko-KR" altLang="en-US" sz="1000" b="1" dirty="0" smtClean="0"/>
+                        <a:rPr lang="ko-KR" altLang="en-US" sz="1000" b="1" dirty="0"/>
                         <a:t>모델링</a:t>
                       </a:r>
-                      <a:endParaRPr lang="ko-KR" altLang="en-US" sz="1000" b="1" dirty="0"/>
                     </a:p>
                   </a:txBody>
                   <a:tcPr marT="34290" marB="34290">
@@ -5926,18 +5916,17 @@
                     <a:p>
                       <a:pPr latinLnBrk="1"/>
                       <a:r>
-                        <a:rPr lang="ko-KR" altLang="en-US" sz="1000" b="1" dirty="0" smtClean="0"/>
+                        <a:rPr lang="ko-KR" altLang="en-US" sz="1000" b="1" dirty="0"/>
                         <a:t>남자 주인공과 각 클래스 포함 </a:t>
                       </a:r>
                       <a:r>
-                        <a:rPr lang="en-US" altLang="ko-KR" sz="1000" b="1" dirty="0" smtClean="0"/>
+                        <a:rPr lang="en-US" altLang="ko-KR" sz="1000" b="1" dirty="0"/>
                         <a:t>12</a:t>
                       </a:r>
                       <a:r>
-                        <a:rPr lang="ko-KR" altLang="en-US" sz="1000" b="1" dirty="0" smtClean="0"/>
+                        <a:rPr lang="ko-KR" altLang="en-US" sz="1000" b="1" dirty="0"/>
                         <a:t>종</a:t>
                       </a:r>
-                      <a:endParaRPr lang="ko-KR" altLang="en-US" sz="1000" b="1" dirty="0"/>
                     </a:p>
                   </a:txBody>
                   <a:tcPr marT="34290" marB="34290">
@@ -5950,6 +5939,11 @@
                     </a:solidFill>
                   </a:tcPr>
                 </a:tc>
+                <a:extLst>
+                  <a:ext uri="{0D108BD9-81ED-4DB2-BD59-A6C34878D82A}">
+                    <a16:rowId xmlns:a16="http://schemas.microsoft.com/office/drawing/2014/main" val="10007"/>
+                  </a:ext>
+                </a:extLst>
               </a:tr>
               <a:tr h="270030">
                 <a:tc>
@@ -5959,10 +5953,9 @@
                     <a:p>
                       <a:pPr latinLnBrk="1"/>
                       <a:r>
-                        <a:rPr lang="ko-KR" altLang="en-US" sz="1000" b="1" dirty="0" smtClean="0"/>
+                        <a:rPr lang="ko-KR" altLang="en-US" sz="1000" b="1" dirty="0"/>
                         <a:t>애니메이션</a:t>
                       </a:r>
-                      <a:endParaRPr lang="ko-KR" altLang="en-US" sz="1000" b="1" dirty="0"/>
                     </a:p>
                   </a:txBody>
                   <a:tcPr marT="34290" marB="34290">
@@ -5982,19 +5975,19 @@
                     <a:p>
                       <a:pPr latinLnBrk="1"/>
                       <a:r>
-                        <a:rPr lang="ko-KR" altLang="en-US" sz="1000" b="1" dirty="0" smtClean="0"/>
+                        <a:rPr lang="ko-KR" altLang="en-US" sz="1000" b="1" dirty="0"/>
                         <a:t>뛰기</a:t>
                       </a:r>
                       <a:r>
-                        <a:rPr lang="en-US" altLang="ko-KR" sz="1000" b="1" dirty="0" smtClean="0"/>
+                        <a:rPr lang="en-US" altLang="ko-KR" sz="1000" b="1" dirty="0"/>
                         <a:t>,</a:t>
                       </a:r>
                       <a:r>
-                        <a:rPr lang="en-US" altLang="ko-KR" sz="1000" b="1" baseline="0" dirty="0" smtClean="0"/>
+                        <a:rPr lang="en-US" altLang="ko-KR" sz="1000" b="1" baseline="0" dirty="0"/>
                         <a:t> </a:t>
                       </a:r>
                       <a:r>
-                        <a:rPr lang="ko-KR" altLang="en-US" sz="1000" b="1" baseline="0" dirty="0" smtClean="0"/>
+                        <a:rPr lang="ko-KR" altLang="en-US" sz="1000" b="1" baseline="0" dirty="0"/>
                         <a:t>서기</a:t>
                       </a:r>
                       <a:endParaRPr lang="ko-KR" altLang="en-US" sz="1000" b="1" dirty="0"/>
@@ -6010,6 +6003,11 @@
                     </a:solidFill>
                   </a:tcPr>
                 </a:tc>
+                <a:extLst>
+                  <a:ext uri="{0D108BD9-81ED-4DB2-BD59-A6C34878D82A}">
+                    <a16:rowId xmlns:a16="http://schemas.microsoft.com/office/drawing/2014/main" val="10008"/>
+                  </a:ext>
+                </a:extLst>
               </a:tr>
             </a:tbl>
           </a:graphicData>
@@ -6025,13 +6023,6 @@
   <p:clrMapOvr>
     <a:masterClrMapping/>
   </p:clrMapOvr>
-  <p:timing>
-    <p:tnLst>
-      <p:par>
-        <p:cTn id="1" dur="indefinite" restart="never" nodeType="tmRoot"/>
-      </p:par>
-    </p:tnLst>
-  </p:timing>
 </p:sld>
 </file>
 
@@ -6105,7 +6096,7 @@
           <a:p>
             <a:pPr algn="ctr"/>
             <a:r>
-              <a:rPr lang="ko-KR" altLang="en-US" smtClean="0"/>
+              <a:rPr lang="ko-KR" altLang="en-US"/>
               <a:t>ㄱ</a:t>
             </a:r>
             <a:endParaRPr lang="ko-KR" altLang="en-US" dirty="0"/>
@@ -6121,7 +6112,7 @@
           <p:nvPr>
             <p:extLst>
               <p:ext uri="{D42A27DB-BD31-4B8C-83A1-F6EECF244321}">
-                <p14:modId xmlns:p14="http://schemas.microsoft.com/office/powerpoint/2010/main" val="3121049577"/>
+                <p14:modId xmlns:p14="http://schemas.microsoft.com/office/powerpoint/2010/main" val="2505523358"/>
               </p:ext>
             </p:extLst>
           </p:nvPr>
@@ -6137,10 +6128,34 @@
                 <a:tableStyleId>{5C22544A-7EE6-4342-B048-85BDC9FD1C3A}</a:tableStyleId>
               </a:tblPr>
               <a:tblGrid>
-                <a:gridCol w="1008112"/>
-                <a:gridCol w="3170230"/>
-                <a:gridCol w="646194"/>
-                <a:gridCol w="3528392"/>
+                <a:gridCol w="1008112">
+                  <a:extLst>
+                    <a:ext uri="{9D8B030D-6E8A-4147-A177-3AD203B41FA5}">
+                      <a16:colId xmlns:a16="http://schemas.microsoft.com/office/drawing/2014/main" val="20000"/>
+                    </a:ext>
+                  </a:extLst>
+                </a:gridCol>
+                <a:gridCol w="3170230">
+                  <a:extLst>
+                    <a:ext uri="{9D8B030D-6E8A-4147-A177-3AD203B41FA5}">
+                      <a16:colId xmlns:a16="http://schemas.microsoft.com/office/drawing/2014/main" val="20001"/>
+                    </a:ext>
+                  </a:extLst>
+                </a:gridCol>
+                <a:gridCol w="646194">
+                  <a:extLst>
+                    <a:ext uri="{9D8B030D-6E8A-4147-A177-3AD203B41FA5}">
+                      <a16:colId xmlns:a16="http://schemas.microsoft.com/office/drawing/2014/main" val="20002"/>
+                    </a:ext>
+                  </a:extLst>
+                </a:gridCol>
+                <a:gridCol w="3528392">
+                  <a:extLst>
+                    <a:ext uri="{9D8B030D-6E8A-4147-A177-3AD203B41FA5}">
+                      <a16:colId xmlns:a16="http://schemas.microsoft.com/office/drawing/2014/main" val="20003"/>
+                    </a:ext>
+                  </a:extLst>
+                </a:gridCol>
               </a:tblGrid>
               <a:tr h="425498">
                 <a:tc>
@@ -6150,7 +6165,7 @@
                     <a:p>
                       <a:pPr latinLnBrk="1"/>
                       <a:r>
-                        <a:rPr lang="en-US" altLang="ko-KR" sz="1400" b="0" dirty="0" smtClean="0">
+                        <a:rPr lang="en-US" altLang="ko-KR" sz="1400" b="0" dirty="0">
                           <a:solidFill>
                             <a:schemeClr val="tx1"/>
                           </a:solidFill>
@@ -6158,18 +6173,13 @@
                         <a:t>1</a:t>
                       </a:r>
                       <a:r>
-                        <a:rPr lang="ko-KR" altLang="en-US" sz="1400" b="0" dirty="0" smtClean="0">
+                        <a:rPr lang="ko-KR" altLang="en-US" sz="1400" b="0" dirty="0">
                           <a:solidFill>
                             <a:schemeClr val="tx1"/>
                           </a:solidFill>
                         </a:rPr>
                         <a:t>주차</a:t>
                       </a:r>
-                      <a:endParaRPr lang="ko-KR" altLang="en-US" sz="1400" b="0" dirty="0">
-                        <a:solidFill>
-                          <a:schemeClr val="tx1"/>
-                        </a:solidFill>
-                      </a:endParaRPr>
                     </a:p>
                   </a:txBody>
                   <a:tcPr marT="34290" marB="34290">
@@ -6189,7 +6199,7 @@
                     <a:p>
                       <a:pPr latinLnBrk="1"/>
                       <a:r>
-                        <a:rPr lang="ko-KR" altLang="en-US" sz="1000" dirty="0" smtClean="0">
+                        <a:rPr lang="ko-KR" altLang="en-US" sz="1000" dirty="0">
                           <a:solidFill>
                             <a:schemeClr val="tx1"/>
                           </a:solidFill>
@@ -6197,7 +6207,7 @@
                         <a:t>수집</a:t>
                       </a:r>
                       <a:r>
-                        <a:rPr lang="en-US" altLang="ko-KR" sz="1000" dirty="0" smtClean="0">
+                        <a:rPr lang="en-US" altLang="ko-KR" sz="1000" dirty="0">
                           <a:solidFill>
                             <a:schemeClr val="tx1"/>
                           </a:solidFill>
@@ -6205,32 +6215,27 @@
                         <a:t>, </a:t>
                       </a:r>
                       <a:r>
-                        <a:rPr lang="ko-KR" altLang="en-US" sz="1000" dirty="0" smtClean="0">
+                        <a:rPr lang="ko-KR" altLang="en-US" sz="1000" dirty="0">
                           <a:solidFill>
                             <a:schemeClr val="tx1"/>
                           </a:solidFill>
                         </a:rPr>
                         <a:t>좌표처리</a:t>
                       </a:r>
-                      <a:endParaRPr lang="ko-KR" altLang="en-US" sz="1000" dirty="0">
-                        <a:solidFill>
-                          <a:schemeClr val="tx1"/>
-                        </a:solidFill>
-                      </a:endParaRPr>
                     </a:p>
                     <a:p>
                       <a:pPr marL="228600" indent="-228600" latinLnBrk="1">
                         <a:buAutoNum type="arabicPeriod"/>
                       </a:pPr>
                       <a:r>
-                        <a:rPr lang="ko-KR" altLang="en-US" sz="800" dirty="0" smtClean="0">
+                        <a:rPr lang="ko-KR" altLang="en-US" sz="800" dirty="0">
                           <a:solidFill>
                             <a:schemeClr val="tx1"/>
                           </a:solidFill>
                         </a:rPr>
                         <a:t>리소스 수집</a:t>
                       </a:r>
-                      <a:endParaRPr lang="en-US" altLang="ko-KR" sz="800" dirty="0" smtClean="0">
+                      <a:endParaRPr lang="en-US" altLang="ko-KR" sz="800" dirty="0">
                         <a:solidFill>
                           <a:schemeClr val="tx1"/>
                         </a:solidFill>
@@ -6241,7 +6246,7 @@
                         <a:buAutoNum type="arabicPeriod"/>
                       </a:pPr>
                       <a:r>
-                        <a:rPr lang="ko-KR" altLang="en-US" sz="800" dirty="0" err="1" smtClean="0">
+                        <a:rPr lang="ko-KR" altLang="en-US" sz="800" dirty="0" err="1">
                           <a:solidFill>
                             <a:schemeClr val="tx1"/>
                           </a:solidFill>
@@ -6249,7 +6254,7 @@
                         <a:t>맵</a:t>
                       </a:r>
                       <a:r>
-                        <a:rPr lang="ko-KR" altLang="en-US" sz="800" dirty="0" smtClean="0">
+                        <a:rPr lang="ko-KR" altLang="en-US" sz="800" dirty="0">
                           <a:solidFill>
                             <a:schemeClr val="tx1"/>
                           </a:solidFill>
@@ -6257,7 +6262,7 @@
                         <a:t> 설계 및 제작</a:t>
                       </a:r>
                       <a:r>
-                        <a:rPr lang="en-US" altLang="ko-KR" sz="800" dirty="0" smtClean="0">
+                        <a:rPr lang="en-US" altLang="ko-KR" sz="800" dirty="0">
                           <a:solidFill>
                             <a:schemeClr val="tx1"/>
                           </a:solidFill>
@@ -6270,18 +6275,13 @@
                         <a:buAutoNum type="arabicPeriod"/>
                       </a:pPr>
                       <a:r>
-                        <a:rPr lang="ko-KR" altLang="en-US" sz="800" dirty="0" smtClean="0">
+                        <a:rPr lang="ko-KR" altLang="en-US" sz="800" dirty="0">
                           <a:solidFill>
                             <a:schemeClr val="tx1"/>
                           </a:solidFill>
                         </a:rPr>
                         <a:t>캔버스 위에 각종 건물과 오브젝트 배치</a:t>
                       </a:r>
-                      <a:endParaRPr lang="ko-KR" altLang="en-US" sz="800" dirty="0">
-                        <a:solidFill>
-                          <a:schemeClr val="tx1"/>
-                        </a:solidFill>
-                      </a:endParaRPr>
                     </a:p>
                   </a:txBody>
                   <a:tcPr marT="34290" marB="34290">
@@ -6299,46 +6299,54 @@
                     <a:bodyPr/>
                     <a:lstStyle/>
                     <a:p>
-                      <a:pPr marL="0" indent="0" latinLnBrk="1">
+                      <a:pPr marL="0" indent="0" algn="ctr" latinLnBrk="1">
                         <a:buNone/>
                       </a:pPr>
-                      <a:endParaRPr lang="en-US" altLang="ko-KR" sz="800" dirty="0" smtClean="0">
-                        <a:solidFill>
-                          <a:schemeClr val="tx1"/>
-                        </a:solidFill>
-                      </a:endParaRPr>
-                    </a:p>
-                    <a:p>
-                      <a:pPr marL="0" indent="0" latinLnBrk="1">
-                        <a:buNone/>
-                      </a:pPr>
-                      <a:endParaRPr lang="en-US" altLang="ko-KR" sz="1000" dirty="0" smtClean="0">
-                        <a:solidFill>
-                          <a:schemeClr val="tx1"/>
-                        </a:solidFill>
-                      </a:endParaRPr>
-                    </a:p>
-                    <a:p>
-                      <a:pPr marL="0" indent="0" latinLnBrk="1">
-                        <a:buNone/>
-                      </a:pPr>
-                      <a:r>
-                        <a:rPr lang="en-US" altLang="ko-KR" sz="1000" dirty="0" smtClean="0">
-                          <a:solidFill>
-                            <a:schemeClr val="tx1"/>
-                          </a:solidFill>
-                        </a:rPr>
-                        <a:t> </a:t>
-                      </a:r>
-                      <a:r>
-                        <a:rPr lang="ko-KR" altLang="en-US" sz="1000" dirty="0" smtClean="0">
+                      <a:r>
+                        <a:rPr lang="ko-KR" altLang="en-US" sz="1300" dirty="0">
                           <a:solidFill>
                             <a:schemeClr val="tx1"/>
                           </a:solidFill>
                         </a:rPr>
                         <a:t>결과</a:t>
                       </a:r>
-                      <a:endParaRPr lang="ko-KR" altLang="en-US" sz="1000" dirty="0">
+                      <a:endParaRPr lang="en-US" altLang="ko-KR" sz="1300" dirty="0">
+                        <a:solidFill>
+                          <a:schemeClr val="tx1"/>
+                        </a:solidFill>
+                      </a:endParaRPr>
+                    </a:p>
+                    <a:p>
+                      <a:pPr marL="0" indent="0" algn="ctr" latinLnBrk="1">
+                        <a:buNone/>
+                      </a:pPr>
+                      <a:r>
+                        <a:rPr lang="ko-KR" altLang="en-US" sz="1300" dirty="0">
+                          <a:solidFill>
+                            <a:schemeClr val="tx1"/>
+                          </a:solidFill>
+                        </a:rPr>
+                        <a:t>  </a:t>
+                      </a:r>
+                      <a:endParaRPr lang="en-US" altLang="ko-KR" sz="1300" dirty="0">
+                        <a:solidFill>
+                          <a:schemeClr val="tx1"/>
+                        </a:solidFill>
+                      </a:endParaRPr>
+                    </a:p>
+                    <a:p>
+                      <a:pPr marL="0" indent="0" algn="ctr" latinLnBrk="1">
+                        <a:buNone/>
+                      </a:pPr>
+                      <a:r>
+                        <a:rPr lang="en-US" altLang="ko-KR" sz="1300" dirty="0">
+                          <a:solidFill>
+                            <a:schemeClr val="tx1"/>
+                          </a:solidFill>
+                        </a:rPr>
+                        <a:t>50%</a:t>
+                      </a:r>
+                      <a:endParaRPr lang="ko-KR" altLang="en-US" sz="1300" dirty="0">
                         <a:solidFill>
                           <a:schemeClr val="tx1"/>
                         </a:solidFill>
@@ -6364,7 +6372,7 @@
                         <a:buNone/>
                       </a:pPr>
                       <a:r>
-                        <a:rPr lang="ko-KR" altLang="en-US" sz="1000" dirty="0" smtClean="0">
+                        <a:rPr lang="ko-KR" altLang="en-US" sz="1000" dirty="0">
                           <a:solidFill>
                             <a:schemeClr val="tx1"/>
                           </a:solidFill>
@@ -6372,7 +6380,7 @@
                         <a:t>일부 리소스 수집</a:t>
                       </a:r>
                       <a:r>
-                        <a:rPr lang="en-US" altLang="ko-KR" sz="1000" dirty="0" smtClean="0">
+                        <a:rPr lang="en-US" altLang="ko-KR" sz="1000" dirty="0">
                           <a:solidFill>
                             <a:schemeClr val="tx1"/>
                           </a:solidFill>
@@ -6380,7 +6388,7 @@
                         <a:t>,</a:t>
                       </a:r>
                       <a:r>
-                        <a:rPr lang="en-US" altLang="ko-KR" sz="1000" baseline="0" dirty="0" smtClean="0">
+                        <a:rPr lang="en-US" altLang="ko-KR" sz="1000" baseline="0" dirty="0">
                           <a:solidFill>
                             <a:schemeClr val="tx1"/>
                           </a:solidFill>
@@ -6393,7 +6401,7 @@
                         <a:buNone/>
                       </a:pPr>
                       <a:r>
-                        <a:rPr lang="ko-KR" altLang="en-US" sz="1000" baseline="0" dirty="0" smtClean="0">
+                        <a:rPr lang="ko-KR" altLang="en-US" sz="1000" baseline="0" dirty="0">
                           <a:solidFill>
                             <a:schemeClr val="tx1"/>
                           </a:solidFill>
@@ -6401,7 +6409,7 @@
                         <a:t>전체적인 </a:t>
                       </a:r>
                       <a:r>
-                        <a:rPr lang="ko-KR" altLang="en-US" sz="1000" baseline="0" dirty="0" err="1" smtClean="0">
+                        <a:rPr lang="ko-KR" altLang="en-US" sz="1000" baseline="0" dirty="0" err="1">
                           <a:solidFill>
                             <a:schemeClr val="tx1"/>
                           </a:solidFill>
@@ -6409,7 +6417,7 @@
                         <a:t>맵</a:t>
                       </a:r>
                       <a:r>
-                        <a:rPr lang="ko-KR" altLang="en-US" sz="1000" baseline="0" dirty="0" smtClean="0">
+                        <a:rPr lang="ko-KR" altLang="en-US" sz="1000" baseline="0" dirty="0">
                           <a:solidFill>
                             <a:schemeClr val="tx1"/>
                           </a:solidFill>
@@ -6417,14 +6425,14 @@
                         <a:t> 설계 및 </a:t>
                       </a:r>
                       <a:r>
-                        <a:rPr lang="ko-KR" altLang="en-US" sz="1000" baseline="0" dirty="0" err="1" smtClean="0">
+                        <a:rPr lang="ko-KR" altLang="en-US" sz="1000" baseline="0" dirty="0" err="1">
                           <a:solidFill>
                             <a:schemeClr val="tx1"/>
                           </a:solidFill>
                         </a:rPr>
                         <a:t>제작중</a:t>
                       </a:r>
-                      <a:endParaRPr lang="en-US" altLang="ko-KR" sz="1000" baseline="0" dirty="0" smtClean="0">
+                      <a:endParaRPr lang="en-US" altLang="ko-KR" sz="1000" baseline="0" dirty="0">
                         <a:solidFill>
                           <a:schemeClr val="tx1"/>
                         </a:solidFill>
@@ -6435,7 +6443,7 @@
                         <a:buNone/>
                       </a:pPr>
                       <a:r>
-                        <a:rPr lang="ko-KR" altLang="en-US" sz="1000" dirty="0" smtClean="0">
+                        <a:rPr lang="ko-KR" altLang="en-US" sz="1000" dirty="0">
                           <a:solidFill>
                             <a:schemeClr val="tx1"/>
                           </a:solidFill>
@@ -6443,7 +6451,7 @@
                         <a:t>핵심 건물과 오브젝트 배치</a:t>
                       </a:r>
                       <a:r>
-                        <a:rPr lang="en-US" altLang="ko-KR" sz="1000" dirty="0" smtClean="0">
+                        <a:rPr lang="en-US" altLang="ko-KR" sz="1000" dirty="0">
                           <a:solidFill>
                             <a:schemeClr val="tx1"/>
                           </a:solidFill>
@@ -6451,7 +6459,7 @@
                         <a:t>, </a:t>
                       </a:r>
                       <a:r>
-                        <a:rPr lang="ko-KR" altLang="en-US" sz="1000" dirty="0" smtClean="0">
+                        <a:rPr lang="ko-KR" altLang="en-US" sz="1000" dirty="0">
                           <a:solidFill>
                             <a:schemeClr val="tx1"/>
                           </a:solidFill>
@@ -6459,7 +6467,7 @@
                         <a:t>다양한 오브젝트 배치 및 </a:t>
                       </a:r>
                       <a:r>
-                        <a:rPr lang="ko-KR" altLang="en-US" sz="1000" dirty="0" err="1" smtClean="0">
+                        <a:rPr lang="ko-KR" altLang="en-US" sz="1000" dirty="0" err="1">
                           <a:solidFill>
                             <a:schemeClr val="tx1"/>
                           </a:solidFill>
@@ -6483,6 +6491,11 @@
                     </a:solidFill>
                   </a:tcPr>
                 </a:tc>
+                <a:extLst>
+                  <a:ext uri="{0D108BD9-81ED-4DB2-BD59-A6C34878D82A}">
+                    <a16:rowId xmlns:a16="http://schemas.microsoft.com/office/drawing/2014/main" val="10000"/>
+                  </a:ext>
+                </a:extLst>
               </a:tr>
               <a:tr h="274320">
                 <a:tc>
@@ -6492,7 +6505,7 @@
                     <a:p>
                       <a:pPr latinLnBrk="1"/>
                       <a:r>
-                        <a:rPr lang="en-US" altLang="ko-KR" sz="1400" dirty="0" smtClean="0">
+                        <a:rPr lang="en-US" altLang="ko-KR" sz="1400" dirty="0">
                           <a:solidFill>
                             <a:schemeClr val="tx1"/>
                           </a:solidFill>
@@ -6500,14 +6513,14 @@
                         <a:t>2</a:t>
                       </a:r>
                       <a:r>
-                        <a:rPr lang="ko-KR" altLang="en-US" sz="1400" dirty="0" smtClean="0">
+                        <a:rPr lang="ko-KR" altLang="en-US" sz="1400" dirty="0">
                           <a:solidFill>
                             <a:schemeClr val="tx1"/>
                           </a:solidFill>
                         </a:rPr>
                         <a:t>주차</a:t>
                       </a:r>
-                      <a:endParaRPr lang="en-US" altLang="ko-KR" sz="1400" dirty="0" smtClean="0">
+                      <a:endParaRPr lang="en-US" altLang="ko-KR" sz="1400" dirty="0">
                         <a:solidFill>
                           <a:schemeClr val="tx1"/>
                         </a:solidFill>
@@ -6556,6 +6569,11 @@
                   </a:txBody>
                   <a:tcPr/>
                 </a:tc>
+                <a:extLst>
+                  <a:ext uri="{0D108BD9-81ED-4DB2-BD59-A6C34878D82A}">
+                    <a16:rowId xmlns:a16="http://schemas.microsoft.com/office/drawing/2014/main" val="10001"/>
+                  </a:ext>
+                </a:extLst>
               </a:tr>
               <a:tr h="274320">
                 <a:tc>
@@ -6565,14 +6583,13 @@
                     <a:p>
                       <a:pPr latinLnBrk="1"/>
                       <a:r>
-                        <a:rPr lang="en-US" altLang="ko-KR" sz="1400" dirty="0" smtClean="0"/>
+                        <a:rPr lang="en-US" altLang="ko-KR" sz="1400" dirty="0"/>
                         <a:t>3</a:t>
                       </a:r>
                       <a:r>
-                        <a:rPr lang="ko-KR" altLang="en-US" sz="1400" dirty="0" smtClean="0"/>
+                        <a:rPr lang="ko-KR" altLang="en-US" sz="1400" dirty="0"/>
                         <a:t>주차</a:t>
                       </a:r>
-                      <a:endParaRPr lang="ko-KR" altLang="en-US" sz="1400" dirty="0"/>
                     </a:p>
                   </a:txBody>
                   <a:tcPr marT="34290" marB="34290">
@@ -6592,83 +6609,83 @@
                     <a:p>
                       <a:pPr fontAlgn="t"/>
                       <a:r>
-                        <a:rPr lang="ko-KR" altLang="ko-KR" sz="900" b="1" dirty="0" smtClean="0"/>
+                        <a:rPr lang="ko-KR" altLang="ko-KR" sz="900" b="1" dirty="0"/>
                         <a:t>아군 캐릭터</a:t>
                       </a:r>
                       <a:r>
-                        <a:rPr lang="ko-KR" altLang="en-US" sz="900" b="1" dirty="0" smtClean="0"/>
+                        <a:rPr lang="ko-KR" altLang="en-US" sz="900" b="1" dirty="0"/>
                         <a:t>와 중립 </a:t>
                       </a:r>
                       <a:r>
-                        <a:rPr lang="ko-KR" altLang="ko-KR" sz="900" b="1" dirty="0" smtClean="0"/>
+                        <a:rPr lang="ko-KR" altLang="ko-KR" sz="900" b="1" dirty="0"/>
                         <a:t>오브젝트</a:t>
                       </a:r>
-                      <a:endParaRPr lang="ko-KR" altLang="ko-KR" sz="900" dirty="0" smtClean="0"/>
+                      <a:endParaRPr lang="ko-KR" altLang="ko-KR" sz="900" dirty="0"/>
                     </a:p>
                     <a:p>
                       <a:pPr marL="228600" indent="-228600" fontAlgn="t">
                         <a:buAutoNum type="arabicPeriod"/>
                       </a:pPr>
                       <a:r>
-                        <a:rPr lang="ko-KR" altLang="ko-KR" sz="800" b="1" dirty="0" smtClean="0"/>
+                        <a:rPr lang="ko-KR" altLang="ko-KR" sz="800" b="1" dirty="0"/>
                         <a:t>아군이 될 캐릭터들을 나누고 각각의 클래스 제작</a:t>
                       </a:r>
-                      <a:endParaRPr lang="en-US" altLang="ko-KR" sz="800" b="1" dirty="0" smtClean="0"/>
+                      <a:endParaRPr lang="en-US" altLang="ko-KR" sz="800" b="1" dirty="0"/>
                     </a:p>
                     <a:p>
                       <a:pPr marL="228600" indent="-228600" fontAlgn="t">
                         <a:buAutoNum type="arabicPeriod"/>
                       </a:pPr>
                       <a:r>
-                        <a:rPr lang="ko-KR" altLang="ko-KR" sz="800" b="1" dirty="0" smtClean="0"/>
+                        <a:rPr lang="ko-KR" altLang="ko-KR" sz="800" b="1" dirty="0"/>
                         <a:t>클래스</a:t>
                       </a:r>
                       <a:r>
-                        <a:rPr lang="en-US" altLang="ko-KR" sz="800" b="1" dirty="0" smtClean="0"/>
+                        <a:rPr lang="en-US" altLang="ko-KR" sz="800" b="1" dirty="0"/>
                         <a:t> </a:t>
                       </a:r>
                       <a:r>
-                        <a:rPr lang="ko-KR" altLang="ko-KR" sz="800" b="1" dirty="0" smtClean="0"/>
+                        <a:rPr lang="ko-KR" altLang="ko-KR" sz="800" b="1" dirty="0"/>
                         <a:t>별 특징과 특수효과 등등 제작</a:t>
                       </a:r>
-                      <a:endParaRPr lang="en-US" altLang="ko-KR" sz="800" b="1" dirty="0" smtClean="0"/>
+                      <a:endParaRPr lang="en-US" altLang="ko-KR" sz="800" b="1" dirty="0"/>
                     </a:p>
                     <a:p>
                       <a:pPr marL="228600" indent="-228600" fontAlgn="t">
                         <a:buAutoNum type="arabicPeriod"/>
                       </a:pPr>
                       <a:r>
-                        <a:rPr lang="ko-KR" altLang="en-US" sz="800" b="1" dirty="0" smtClean="0"/>
+                        <a:rPr lang="ko-KR" altLang="en-US" sz="800" b="1" dirty="0"/>
                         <a:t>각종 건물과 아군 캐릭터 상호작용</a:t>
                       </a:r>
-                      <a:endParaRPr lang="en-US" altLang="ko-KR" sz="800" b="1" dirty="0" smtClean="0"/>
+                      <a:endParaRPr lang="en-US" altLang="ko-KR" sz="800" b="1" dirty="0"/>
                     </a:p>
                     <a:p>
                       <a:pPr marL="228600" indent="-228600" fontAlgn="t">
                         <a:buAutoNum type="arabicPeriod"/>
                       </a:pPr>
                       <a:r>
-                        <a:rPr lang="ko-KR" altLang="en-US" sz="800" b="1" dirty="0" smtClean="0"/>
+                        <a:rPr lang="ko-KR" altLang="en-US" sz="800" b="1" dirty="0"/>
                         <a:t>주인공의 </a:t>
                       </a:r>
                       <a:r>
-                        <a:rPr lang="ko-KR" altLang="en-US" sz="800" b="1" dirty="0" err="1" smtClean="0"/>
+                        <a:rPr lang="ko-KR" altLang="en-US" sz="800" b="1" dirty="0" err="1"/>
                         <a:t>스킬과</a:t>
                       </a:r>
                       <a:r>
-                        <a:rPr lang="ko-KR" altLang="en-US" sz="800" b="1" dirty="0" smtClean="0"/>
+                        <a:rPr lang="ko-KR" altLang="en-US" sz="800" b="1" dirty="0"/>
                         <a:t> 각종 상호작용</a:t>
                       </a:r>
                       <a:r>
-                        <a:rPr lang="en-US" altLang="ko-KR" sz="800" b="1" dirty="0" smtClean="0"/>
+                        <a:rPr lang="en-US" altLang="ko-KR" sz="800" b="1" dirty="0"/>
                         <a:t>, </a:t>
                       </a:r>
                       <a:r>
-                        <a:rPr lang="ko-KR" altLang="en-US" sz="800" b="1" dirty="0" smtClean="0"/>
+                        <a:rPr lang="ko-KR" altLang="en-US" sz="800" b="1" dirty="0"/>
                         <a:t>특수효과</a:t>
                       </a:r>
                       <a:r>
-                        <a:rPr lang="ko-KR" altLang="en-US" sz="800" b="1" baseline="0" dirty="0" smtClean="0"/>
+                        <a:rPr lang="ko-KR" altLang="en-US" sz="800" b="1" baseline="0" dirty="0"/>
                         <a:t> 설계</a:t>
                       </a:r>
                       <a:endParaRPr lang="ko-KR" altLang="en-US" sz="800" b="1" dirty="0"/>
@@ -6689,7 +6706,7 @@
                     <a:bodyPr/>
                     <a:lstStyle/>
                     <a:p>
-                      <a:pPr marL="0" marR="0" indent="0" algn="l" defTabSz="914400" rtl="0" eaLnBrk="1" fontAlgn="t" latinLnBrk="1" hangingPunct="1">
+                      <a:pPr marL="0" marR="0" indent="0" algn="ctr" defTabSz="914400" rtl="0" eaLnBrk="1" fontAlgn="t" latinLnBrk="1" hangingPunct="1">
                         <a:lnSpc>
                           <a:spcPct val="100000"/>
                         </a:lnSpc>
@@ -6706,64 +6723,8 @@
                         <a:tabLst/>
                         <a:defRPr/>
                       </a:pPr>
-                      <a:endParaRPr lang="en-US" altLang="ko-KR" sz="800" dirty="0" smtClean="0">
-                        <a:solidFill>
-                          <a:schemeClr val="tx1"/>
-                        </a:solidFill>
-                      </a:endParaRPr>
-                    </a:p>
-                    <a:p>
-                      <a:pPr marL="0" marR="0" indent="0" algn="l" defTabSz="914400" rtl="0" eaLnBrk="1" fontAlgn="t" latinLnBrk="1" hangingPunct="1">
-                        <a:lnSpc>
-                          <a:spcPct val="100000"/>
-                        </a:lnSpc>
-                        <a:spcBef>
-                          <a:spcPts val="0"/>
-                        </a:spcBef>
-                        <a:spcAft>
-                          <a:spcPts val="0"/>
-                        </a:spcAft>
-                        <a:buClrTx/>
-                        <a:buSzTx/>
-                        <a:buFontTx/>
-                        <a:buNone/>
-                        <a:tabLst/>
-                        <a:defRPr/>
-                      </a:pPr>
-                      <a:endParaRPr lang="en-US" altLang="ko-KR" sz="800" dirty="0" smtClean="0">
-                        <a:solidFill>
-                          <a:schemeClr val="tx1"/>
-                        </a:solidFill>
-                      </a:endParaRPr>
-                    </a:p>
-                    <a:p>
-                      <a:pPr marL="0" marR="0" indent="0" algn="l" defTabSz="914400" rtl="0" eaLnBrk="1" fontAlgn="t" latinLnBrk="1" hangingPunct="1">
-                        <a:lnSpc>
-                          <a:spcPct val="100000"/>
-                        </a:lnSpc>
-                        <a:spcBef>
-                          <a:spcPts val="0"/>
-                        </a:spcBef>
-                        <a:spcAft>
-                          <a:spcPts val="0"/>
-                        </a:spcAft>
-                        <a:buClrTx/>
-                        <a:buSzTx/>
-                        <a:buFontTx/>
-                        <a:buNone/>
-                        <a:tabLst/>
-                        <a:defRPr/>
-                      </a:pPr>
-                      <a:r>
-                        <a:rPr lang="ko-KR" altLang="en-US" sz="1000" dirty="0" smtClean="0">
-                          <a:solidFill>
-                            <a:schemeClr val="tx1"/>
-                          </a:solidFill>
-                        </a:rPr>
-                        <a:t> </a:t>
-                      </a:r>
-                      <a:r>
-                        <a:rPr lang="ko-KR" altLang="en-US" sz="1000" b="1" dirty="0" smtClean="0">
+                      <a:r>
+                        <a:rPr lang="ko-KR" altLang="en-US" sz="1300" b="1" dirty="0">
                           <a:solidFill>
                             <a:schemeClr val="tx1"/>
                           </a:solidFill>
@@ -6772,10 +6733,20 @@
                       </a:r>
                     </a:p>
                     <a:p>
-                      <a:pPr marL="228600" indent="-228600" fontAlgn="t">
-                        <a:buAutoNum type="arabicPeriod"/>
+                      <a:pPr marL="0" indent="0" algn="ctr" fontAlgn="t">
+                        <a:buNone/>
                       </a:pPr>
-                      <a:endParaRPr lang="ko-KR" altLang="en-US" sz="800" b="1" dirty="0"/>
+                      <a:endParaRPr lang="en-US" altLang="ko-KR" sz="1300" b="1" dirty="0"/>
+                    </a:p>
+                    <a:p>
+                      <a:pPr marL="0" indent="0" algn="ctr" fontAlgn="t">
+                        <a:buNone/>
+                      </a:pPr>
+                      <a:r>
+                        <a:rPr lang="en-US" altLang="ko-KR" sz="1300" b="1" dirty="0"/>
+                        <a:t>30%</a:t>
+                      </a:r>
+                      <a:endParaRPr lang="ko-KR" altLang="en-US" sz="1300" b="1" dirty="0"/>
                     </a:p>
                   </a:txBody>
                   <a:tcPr marT="34290" marB="34290">
@@ -6797,33 +6768,33 @@
                         <a:buNone/>
                       </a:pPr>
                       <a:r>
-                        <a:rPr lang="ko-KR" altLang="en-US" sz="1000" b="1" dirty="0" smtClean="0"/>
+                        <a:rPr lang="ko-KR" altLang="en-US" sz="1000" b="1" dirty="0"/>
                         <a:t>아군 캐릭터들을 나누고 클래스 완성</a:t>
                       </a:r>
-                      <a:endParaRPr lang="en-US" altLang="ko-KR" sz="1000" b="1" dirty="0" smtClean="0"/>
+                      <a:endParaRPr lang="en-US" altLang="ko-KR" sz="1000" b="1" dirty="0"/>
                     </a:p>
                     <a:p>
                       <a:pPr marL="0" indent="0" fontAlgn="t">
                         <a:buNone/>
                       </a:pPr>
                       <a:r>
-                        <a:rPr lang="ko-KR" altLang="en-US" sz="1000" b="1" dirty="0" smtClean="0"/>
+                        <a:rPr lang="ko-KR" altLang="en-US" sz="1000" b="1" dirty="0"/>
                         <a:t>특수효과</a:t>
                       </a:r>
                       <a:r>
-                        <a:rPr lang="ko-KR" altLang="en-US" sz="1000" b="1" baseline="0" dirty="0" smtClean="0"/>
+                        <a:rPr lang="ko-KR" altLang="en-US" sz="1000" b="1" baseline="0" dirty="0"/>
                         <a:t> </a:t>
                       </a:r>
                       <a:r>
-                        <a:rPr lang="ko-KR" altLang="en-US" sz="1000" b="1" dirty="0" err="1" smtClean="0"/>
+                        <a:rPr lang="ko-KR" altLang="en-US" sz="1000" b="1" dirty="0" err="1"/>
                         <a:t>스프라이트</a:t>
                       </a:r>
                       <a:r>
-                        <a:rPr lang="ko-KR" altLang="en-US" sz="1000" b="1" dirty="0" smtClean="0"/>
+                        <a:rPr lang="ko-KR" altLang="en-US" sz="1000" b="1" dirty="0"/>
                         <a:t> 수집완료 구현</a:t>
                       </a:r>
                       <a:r>
-                        <a:rPr lang="en-US" altLang="ko-KR" sz="1000" b="1" dirty="0" smtClean="0"/>
+                        <a:rPr lang="en-US" altLang="ko-KR" sz="1000" b="1" dirty="0"/>
                         <a:t>X</a:t>
                       </a:r>
                     </a:p>
@@ -6832,11 +6803,11 @@
                         <a:buNone/>
                       </a:pPr>
                       <a:r>
-                        <a:rPr lang="ko-KR" altLang="en-US" sz="1000" b="1" dirty="0" smtClean="0"/>
+                        <a:rPr lang="ko-KR" altLang="en-US" sz="1000" b="1" dirty="0"/>
                         <a:t>상호작용 아직 구현</a:t>
                       </a:r>
                       <a:r>
-                        <a:rPr lang="en-US" altLang="ko-KR" sz="1000" b="1" dirty="0" smtClean="0"/>
+                        <a:rPr lang="en-US" altLang="ko-KR" sz="1000" b="1" dirty="0"/>
                         <a:t>X</a:t>
                       </a:r>
                     </a:p>
@@ -6845,15 +6816,15 @@
                         <a:buNone/>
                       </a:pPr>
                       <a:r>
-                        <a:rPr lang="ko-KR" altLang="en-US" sz="1000" b="1" dirty="0" err="1" smtClean="0"/>
+                        <a:rPr lang="ko-KR" altLang="en-US" sz="1000" b="1" dirty="0" err="1"/>
                         <a:t>스킬과</a:t>
                       </a:r>
                       <a:r>
-                        <a:rPr lang="ko-KR" altLang="en-US" sz="1000" b="1" dirty="0" smtClean="0"/>
+                        <a:rPr lang="ko-KR" altLang="en-US" sz="1000" b="1" dirty="0"/>
                         <a:t> 상호작용 구상은 끝남 구현</a:t>
                       </a:r>
                       <a:r>
-                        <a:rPr lang="en-US" altLang="ko-KR" sz="1000" b="1" dirty="0" smtClean="0"/>
+                        <a:rPr lang="en-US" altLang="ko-KR" sz="1000" b="1" dirty="0"/>
                         <a:t>X</a:t>
                       </a:r>
                       <a:endParaRPr lang="ko-KR" altLang="en-US" sz="1000" b="1" dirty="0"/>
@@ -6869,6 +6840,11 @@
                     </a:solidFill>
                   </a:tcPr>
                 </a:tc>
+                <a:extLst>
+                  <a:ext uri="{0D108BD9-81ED-4DB2-BD59-A6C34878D82A}">
+                    <a16:rowId xmlns:a16="http://schemas.microsoft.com/office/drawing/2014/main" val="10002"/>
+                  </a:ext>
+                </a:extLst>
               </a:tr>
               <a:tr h="502920">
                 <a:tc>
@@ -6878,14 +6854,13 @@
                     <a:p>
                       <a:pPr latinLnBrk="1"/>
                       <a:r>
-                        <a:rPr lang="en-US" altLang="ko-KR" sz="1400" dirty="0" smtClean="0"/>
+                        <a:rPr lang="en-US" altLang="ko-KR" sz="1400" dirty="0"/>
                         <a:t>4</a:t>
                       </a:r>
                       <a:r>
-                        <a:rPr lang="ko-KR" altLang="en-US" sz="1400" dirty="0" smtClean="0"/>
+                        <a:rPr lang="ko-KR" altLang="en-US" sz="1400" dirty="0"/>
                         <a:t>주차</a:t>
                       </a:r>
-                      <a:endParaRPr lang="ko-KR" altLang="en-US" sz="1400" dirty="0"/>
                     </a:p>
                   </a:txBody>
                   <a:tcPr marT="34290" marB="34290">
@@ -6930,6 +6905,11 @@
                   </a:txBody>
                   <a:tcPr/>
                 </a:tc>
+                <a:extLst>
+                  <a:ext uri="{0D108BD9-81ED-4DB2-BD59-A6C34878D82A}">
+                    <a16:rowId xmlns:a16="http://schemas.microsoft.com/office/drawing/2014/main" val="10003"/>
+                  </a:ext>
+                </a:extLst>
               </a:tr>
               <a:tr h="274320">
                 <a:tc>
@@ -6939,14 +6919,13 @@
                     <a:p>
                       <a:pPr latinLnBrk="1"/>
                       <a:r>
-                        <a:rPr lang="en-US" altLang="ko-KR" sz="1400" dirty="0" smtClean="0"/>
+                        <a:rPr lang="en-US" altLang="ko-KR" sz="1400" dirty="0"/>
                         <a:t>5</a:t>
                       </a:r>
                       <a:r>
-                        <a:rPr lang="ko-KR" altLang="en-US" sz="1400" dirty="0" smtClean="0"/>
+                        <a:rPr lang="ko-KR" altLang="en-US" sz="1400" dirty="0"/>
                         <a:t>주차</a:t>
                       </a:r>
-                      <a:endParaRPr lang="ko-KR" altLang="en-US" sz="1400" dirty="0"/>
                     </a:p>
                   </a:txBody>
                   <a:tcPr marT="34290" marB="34290">
@@ -6966,7 +6945,7 @@
                     <a:p>
                       <a:pPr fontAlgn="t"/>
                       <a:r>
-                        <a:rPr lang="ko-KR" altLang="ko-KR" sz="1000" b="1" dirty="0" smtClean="0"/>
+                        <a:rPr lang="ko-KR" altLang="ko-KR" sz="1000" b="1" dirty="0"/>
                         <a:t>적군 오브젝트</a:t>
                       </a:r>
                     </a:p>
@@ -6975,30 +6954,30 @@
                         <a:buAutoNum type="arabicPeriod"/>
                       </a:pPr>
                       <a:r>
-                        <a:rPr lang="ko-KR" altLang="ko-KR" sz="800" b="1" dirty="0" smtClean="0"/>
+                        <a:rPr lang="ko-KR" altLang="ko-KR" sz="800" b="1" dirty="0"/>
                         <a:t>적 성벽 및 대포 이미지 설계</a:t>
                       </a:r>
-                      <a:endParaRPr lang="en-US" altLang="ko-KR" sz="800" b="1" dirty="0" smtClean="0"/>
+                      <a:endParaRPr lang="en-US" altLang="ko-KR" sz="800" b="1" dirty="0"/>
                     </a:p>
                     <a:p>
                       <a:pPr marL="228600" indent="-228600" fontAlgn="t">
                         <a:buAutoNum type="arabicPeriod"/>
                       </a:pPr>
                       <a:r>
-                        <a:rPr lang="ko-KR" altLang="ko-KR" sz="800" b="1" dirty="0" smtClean="0"/>
+                        <a:rPr lang="ko-KR" altLang="ko-KR" sz="800" b="1" dirty="0"/>
                         <a:t>위치에 따른 피격크기 설정</a:t>
                       </a:r>
-                      <a:endParaRPr lang="en-US" altLang="ko-KR" sz="800" b="1" dirty="0" smtClean="0"/>
+                      <a:endParaRPr lang="en-US" altLang="ko-KR" sz="800" b="1" dirty="0"/>
                     </a:p>
                     <a:p>
                       <a:pPr marL="228600" indent="-228600" fontAlgn="t">
                         <a:buAutoNum type="arabicPeriod"/>
                       </a:pPr>
                       <a:r>
-                        <a:rPr lang="ko-KR" altLang="ko-KR" sz="800" b="1" dirty="0" smtClean="0"/>
+                        <a:rPr lang="ko-KR" altLang="ko-KR" sz="800" b="1" dirty="0"/>
                         <a:t>아군과 전투시 피격 반응 및 상호작용 설계</a:t>
                       </a:r>
-                      <a:endParaRPr lang="en-US" altLang="ko-KR" sz="800" b="1" dirty="0" smtClean="0"/>
+                      <a:endParaRPr lang="en-US" altLang="ko-KR" sz="800" b="1" dirty="0"/>
                     </a:p>
                   </a:txBody>
                   <a:tcPr marT="34290" marB="34290">
@@ -7019,7 +6998,7 @@
                       <a:pPr marL="228600" indent="-228600" fontAlgn="t">
                         <a:buAutoNum type="arabicPeriod"/>
                       </a:pPr>
-                      <a:endParaRPr lang="en-US" altLang="ko-KR" sz="800" b="1" dirty="0" smtClean="0"/>
+                      <a:endParaRPr lang="en-US" altLang="ko-KR" sz="800" b="1" dirty="0"/>
                     </a:p>
                   </a:txBody>
                   <a:tcPr marT="34290" marB="34290">
@@ -7040,7 +7019,7 @@
                       <a:pPr marL="228600" indent="-228600" fontAlgn="t">
                         <a:buAutoNum type="arabicPeriod"/>
                       </a:pPr>
-                      <a:endParaRPr lang="en-US" altLang="ko-KR" sz="800" b="1" dirty="0" smtClean="0"/>
+                      <a:endParaRPr lang="en-US" altLang="ko-KR" sz="800" b="1" dirty="0"/>
                     </a:p>
                   </a:txBody>
                   <a:tcPr marT="34290" marB="34290">
@@ -7053,6 +7032,11 @@
                     </a:solidFill>
                   </a:tcPr>
                 </a:tc>
+                <a:extLst>
+                  <a:ext uri="{0D108BD9-81ED-4DB2-BD59-A6C34878D82A}">
+                    <a16:rowId xmlns:a16="http://schemas.microsoft.com/office/drawing/2014/main" val="10004"/>
+                  </a:ext>
+                </a:extLst>
               </a:tr>
               <a:tr h="285750">
                 <a:tc>
@@ -7062,14 +7046,13 @@
                     <a:p>
                       <a:pPr latinLnBrk="1"/>
                       <a:r>
-                        <a:rPr lang="en-US" altLang="ko-KR" sz="1400" dirty="0" smtClean="0"/>
+                        <a:rPr lang="en-US" altLang="ko-KR" sz="1400" dirty="0"/>
                         <a:t>6</a:t>
                       </a:r>
                       <a:r>
-                        <a:rPr lang="ko-KR" altLang="en-US" sz="1400" dirty="0" smtClean="0"/>
+                        <a:rPr lang="ko-KR" altLang="en-US" sz="1400" dirty="0"/>
                         <a:t>주차</a:t>
                       </a:r>
-                      <a:endParaRPr lang="ko-KR" altLang="en-US" sz="1400" dirty="0"/>
                     </a:p>
                   </a:txBody>
                   <a:tcPr marT="34290" marB="34290">
@@ -7115,6 +7098,11 @@
                   </a:txBody>
                   <a:tcPr/>
                 </a:tc>
+                <a:extLst>
+                  <a:ext uri="{0D108BD9-81ED-4DB2-BD59-A6C34878D82A}">
+                    <a16:rowId xmlns:a16="http://schemas.microsoft.com/office/drawing/2014/main" val="10005"/>
+                  </a:ext>
+                </a:extLst>
               </a:tr>
               <a:tr h="274320">
                 <a:tc>
@@ -7124,14 +7112,13 @@
                     <a:p>
                       <a:pPr latinLnBrk="1"/>
                       <a:r>
-                        <a:rPr lang="en-US" altLang="ko-KR" sz="1400" dirty="0" smtClean="0"/>
+                        <a:rPr lang="en-US" altLang="ko-KR" sz="1400" dirty="0"/>
                         <a:t>7</a:t>
                       </a:r>
                       <a:r>
-                        <a:rPr lang="ko-KR" altLang="en-US" sz="1400" dirty="0" smtClean="0"/>
+                        <a:rPr lang="ko-KR" altLang="en-US" sz="1400" dirty="0"/>
                         <a:t>주차</a:t>
                       </a:r>
-                      <a:endParaRPr lang="ko-KR" altLang="en-US" sz="1400" dirty="0"/>
                     </a:p>
                   </a:txBody>
                   <a:tcPr marT="34290" marB="34290">
@@ -7151,106 +7138,106 @@
                     <a:p>
                       <a:pPr fontAlgn="t"/>
                       <a:r>
-                        <a:rPr lang="ko-KR" altLang="ko-KR" sz="1000" b="1" dirty="0" smtClean="0"/>
+                        <a:rPr lang="ko-KR" altLang="ko-KR" sz="1000" b="1" dirty="0"/>
                         <a:t>키보드</a:t>
                       </a:r>
                       <a:r>
-                        <a:rPr lang="en-US" altLang="ko-KR" sz="1000" b="1" dirty="0" smtClean="0"/>
+                        <a:rPr lang="en-US" altLang="ko-KR" sz="1000" b="1" dirty="0"/>
                         <a:t>, </a:t>
                       </a:r>
                       <a:r>
-                        <a:rPr lang="ko-KR" altLang="ko-KR" sz="1000" b="1" dirty="0" smtClean="0"/>
+                        <a:rPr lang="ko-KR" altLang="ko-KR" sz="1000" b="1" dirty="0"/>
                         <a:t>마우스 동작</a:t>
                       </a:r>
                       <a:r>
-                        <a:rPr lang="en-US" altLang="ko-KR" sz="1000" b="1" dirty="0" smtClean="0"/>
+                        <a:rPr lang="en-US" altLang="ko-KR" sz="1000" b="1" dirty="0"/>
                         <a:t>, </a:t>
                       </a:r>
                       <a:r>
-                        <a:rPr lang="ko-KR" altLang="en-US" sz="1000" b="1" dirty="0" smtClean="0"/>
+                        <a:rPr lang="ko-KR" altLang="en-US" sz="1000" b="1" dirty="0"/>
                         <a:t>시작과 종료</a:t>
                       </a:r>
-                      <a:endParaRPr lang="en-US" altLang="ko-KR" sz="1000" b="1" dirty="0" smtClean="0"/>
+                      <a:endParaRPr lang="en-US" altLang="ko-KR" sz="1000" b="1" dirty="0"/>
                     </a:p>
                     <a:p>
                       <a:pPr marL="228600" indent="-228600" fontAlgn="t">
                         <a:buAutoNum type="arabicPeriod"/>
                       </a:pPr>
                       <a:r>
-                        <a:rPr lang="en-US" altLang="ko-KR" sz="800" b="1" dirty="0" smtClean="0"/>
+                        <a:rPr lang="en-US" altLang="ko-KR" sz="800" b="1" dirty="0"/>
                         <a:t>UI</a:t>
                       </a:r>
                       <a:r>
-                        <a:rPr lang="ko-KR" altLang="ko-KR" sz="800" b="1" dirty="0" smtClean="0"/>
+                        <a:rPr lang="ko-KR" altLang="ko-KR" sz="800" b="1" dirty="0"/>
                         <a:t>를 모두 키보드와 마우스로 조작 가능하게 함</a:t>
                       </a:r>
-                      <a:endParaRPr lang="en-US" altLang="ko-KR" sz="800" b="1" dirty="0" smtClean="0"/>
+                      <a:endParaRPr lang="en-US" altLang="ko-KR" sz="800" b="1" dirty="0"/>
                     </a:p>
                     <a:p>
                       <a:pPr marL="228600" indent="-228600" fontAlgn="t">
                         <a:buAutoNum type="arabicPeriod"/>
                       </a:pPr>
                       <a:r>
-                        <a:rPr lang="ko-KR" altLang="en-US" sz="800" b="1" dirty="0" smtClean="0"/>
+                        <a:rPr lang="ko-KR" altLang="en-US" sz="800" b="1" dirty="0"/>
                         <a:t>중요</a:t>
                       </a:r>
                       <a:r>
-                        <a:rPr lang="ko-KR" altLang="ko-KR" sz="800" b="1" dirty="0" smtClean="0"/>
+                        <a:rPr lang="ko-KR" altLang="ko-KR" sz="800" b="1" dirty="0"/>
                         <a:t> 오브젝트들과 상호작용이 가능하게 </a:t>
                       </a:r>
                       <a:r>
-                        <a:rPr lang="ko-KR" altLang="ko-KR" sz="800" b="1" dirty="0" err="1" smtClean="0"/>
+                        <a:rPr lang="ko-KR" altLang="ko-KR" sz="800" b="1" dirty="0" err="1"/>
                         <a:t>만듬</a:t>
                       </a:r>
-                      <a:endParaRPr lang="en-US" altLang="ko-KR" sz="800" b="1" dirty="0" smtClean="0"/>
+                      <a:endParaRPr lang="en-US" altLang="ko-KR" sz="800" b="1" dirty="0"/>
                     </a:p>
                     <a:p>
                       <a:pPr marL="228600" indent="-228600" fontAlgn="t">
                         <a:buAutoNum type="arabicPeriod"/>
                       </a:pPr>
                       <a:r>
-                        <a:rPr lang="ko-KR" altLang="ko-KR" sz="800" b="1" dirty="0" smtClean="0"/>
+                        <a:rPr lang="ko-KR" altLang="ko-KR" sz="800" b="1" dirty="0"/>
                         <a:t>오브젝트 이동은 오직 키보드로만 하게 제작</a:t>
                       </a:r>
-                      <a:endParaRPr lang="en-US" altLang="ko-KR" sz="800" b="0" dirty="0" smtClean="0"/>
+                      <a:endParaRPr lang="en-US" altLang="ko-KR" sz="800" b="0" dirty="0"/>
                     </a:p>
                     <a:p>
                       <a:pPr marL="228600" indent="-228600" fontAlgn="t">
                         <a:buAutoNum type="arabicPeriod"/>
                       </a:pPr>
                       <a:r>
-                        <a:rPr lang="ko-KR" altLang="en-US" sz="800" b="1" dirty="0" smtClean="0"/>
+                        <a:rPr lang="ko-KR" altLang="en-US" sz="800" b="1" dirty="0"/>
                         <a:t>시작과 종료 처리</a:t>
                       </a:r>
                       <a:r>
-                        <a:rPr lang="en-US" altLang="ko-KR" sz="800" b="1" dirty="0" smtClean="0"/>
+                        <a:rPr lang="en-US" altLang="ko-KR" sz="800" b="1" dirty="0"/>
                         <a:t>, </a:t>
                       </a:r>
                       <a:r>
-                        <a:rPr lang="ko-KR" altLang="en-US" sz="800" b="1" dirty="0" smtClean="0"/>
+                        <a:rPr lang="ko-KR" altLang="en-US" sz="800" b="1" dirty="0"/>
                         <a:t>스테이지 </a:t>
                       </a:r>
                       <a:r>
-                        <a:rPr lang="ko-KR" altLang="en-US" sz="800" b="1" dirty="0" err="1" smtClean="0"/>
+                        <a:rPr lang="ko-KR" altLang="en-US" sz="800" b="1" dirty="0" err="1"/>
                         <a:t>클리어시</a:t>
                       </a:r>
                       <a:r>
-                        <a:rPr lang="ko-KR" altLang="en-US" sz="800" b="1" dirty="0" smtClean="0"/>
+                        <a:rPr lang="ko-KR" altLang="en-US" sz="800" b="1" dirty="0"/>
                         <a:t> </a:t>
                       </a:r>
                       <a:r>
-                        <a:rPr lang="ko-KR" altLang="en-US" sz="800" b="1" dirty="0" err="1" smtClean="0"/>
+                        <a:rPr lang="ko-KR" altLang="en-US" sz="800" b="1" dirty="0" err="1"/>
                         <a:t>스텟업과</a:t>
                       </a:r>
                       <a:r>
-                        <a:rPr lang="ko-KR" altLang="en-US" sz="800" b="1" dirty="0" smtClean="0"/>
+                        <a:rPr lang="ko-KR" altLang="en-US" sz="800" b="1" dirty="0"/>
                         <a:t> </a:t>
                       </a:r>
                       <a:r>
-                        <a:rPr lang="ko-KR" altLang="en-US" sz="800" b="1" dirty="0" err="1" smtClean="0"/>
+                        <a:rPr lang="ko-KR" altLang="en-US" sz="800" b="1" dirty="0" err="1"/>
                         <a:t>스코어링</a:t>
                       </a:r>
-                      <a:endParaRPr lang="ko-KR" altLang="ko-KR" sz="800" b="1" dirty="0" smtClean="0"/>
+                      <a:endParaRPr lang="ko-KR" altLang="ko-KR" sz="800" b="1" dirty="0"/>
                     </a:p>
                   </a:txBody>
                   <a:tcPr marT="34290" marB="34290">
@@ -7271,7 +7258,7 @@
                       <a:pPr marL="228600" indent="-228600" fontAlgn="t">
                         <a:buAutoNum type="arabicPeriod"/>
                       </a:pPr>
-                      <a:endParaRPr lang="ko-KR" altLang="ko-KR" sz="800" b="1" dirty="0" smtClean="0"/>
+                      <a:endParaRPr lang="ko-KR" altLang="ko-KR" sz="800" b="1" dirty="0"/>
                     </a:p>
                   </a:txBody>
                   <a:tcPr marT="34290" marB="34290">
@@ -7292,7 +7279,7 @@
                       <a:pPr marL="228600" indent="-228600" fontAlgn="t">
                         <a:buAutoNum type="arabicPeriod"/>
                       </a:pPr>
-                      <a:endParaRPr lang="ko-KR" altLang="ko-KR" sz="800" b="1" dirty="0" smtClean="0"/>
+                      <a:endParaRPr lang="ko-KR" altLang="ko-KR" sz="800" b="1" dirty="0"/>
                     </a:p>
                   </a:txBody>
                   <a:tcPr marT="34290" marB="34290">
@@ -7305,6 +7292,11 @@
                     </a:solidFill>
                   </a:tcPr>
                 </a:tc>
+                <a:extLst>
+                  <a:ext uri="{0D108BD9-81ED-4DB2-BD59-A6C34878D82A}">
+                    <a16:rowId xmlns:a16="http://schemas.microsoft.com/office/drawing/2014/main" val="10006"/>
+                  </a:ext>
+                </a:extLst>
               </a:tr>
               <a:tr h="514350">
                 <a:tc>
@@ -7314,14 +7306,13 @@
                     <a:p>
                       <a:pPr latinLnBrk="1"/>
                       <a:r>
-                        <a:rPr lang="en-US" altLang="ko-KR" sz="1400" dirty="0" smtClean="0"/>
+                        <a:rPr lang="en-US" altLang="ko-KR" sz="1400" dirty="0"/>
                         <a:t>8</a:t>
                       </a:r>
                       <a:r>
-                        <a:rPr lang="ko-KR" altLang="en-US" sz="1400" dirty="0" smtClean="0"/>
+                        <a:rPr lang="ko-KR" altLang="en-US" sz="1400" dirty="0"/>
                         <a:t>주차</a:t>
                       </a:r>
-                      <a:endParaRPr lang="ko-KR" altLang="en-US" sz="1400" dirty="0"/>
                     </a:p>
                   </a:txBody>
                   <a:tcPr marT="34290" marB="34290">
@@ -7367,6 +7358,11 @@
                   </a:txBody>
                   <a:tcPr/>
                 </a:tc>
+                <a:extLst>
+                  <a:ext uri="{0D108BD9-81ED-4DB2-BD59-A6C34878D82A}">
+                    <a16:rowId xmlns:a16="http://schemas.microsoft.com/office/drawing/2014/main" val="10007"/>
+                  </a:ext>
+                </a:extLst>
               </a:tr>
               <a:tr h="274320">
                 <a:tc>
@@ -7376,14 +7372,13 @@
                     <a:p>
                       <a:pPr latinLnBrk="1"/>
                       <a:r>
-                        <a:rPr lang="en-US" altLang="ko-KR" sz="1400" dirty="0" smtClean="0"/>
+                        <a:rPr lang="en-US" altLang="ko-KR" sz="1400" dirty="0"/>
                         <a:t>9</a:t>
                       </a:r>
                       <a:r>
-                        <a:rPr lang="ko-KR" altLang="en-US" sz="1400" dirty="0" smtClean="0"/>
+                        <a:rPr lang="ko-KR" altLang="en-US" sz="1400" dirty="0"/>
                         <a:t>주차</a:t>
                       </a:r>
-                      <a:endParaRPr lang="ko-KR" altLang="en-US" sz="1400" dirty="0"/>
                     </a:p>
                   </a:txBody>
                   <a:tcPr marT="34290" marB="34290">
@@ -7403,81 +7398,81 @@
                     <a:p>
                       <a:pPr latinLnBrk="1"/>
                       <a:r>
-                        <a:rPr lang="ko-KR" altLang="en-US" sz="1000" b="1" dirty="0" smtClean="0"/>
+                        <a:rPr lang="ko-KR" altLang="en-US" sz="1000" b="1" dirty="0"/>
                         <a:t>점검</a:t>
                       </a:r>
-                      <a:endParaRPr lang="en-US" altLang="ko-KR" sz="1000" b="1" dirty="0" smtClean="0"/>
+                      <a:endParaRPr lang="en-US" altLang="ko-KR" sz="1000" b="1" dirty="0"/>
                     </a:p>
                     <a:p>
                       <a:pPr marL="228600" indent="-228600" latinLnBrk="1">
                         <a:buAutoNum type="arabicPeriod"/>
                       </a:pPr>
                       <a:r>
-                        <a:rPr lang="ko-KR" altLang="en-US" sz="800" b="1" baseline="0" dirty="0" smtClean="0"/>
+                        <a:rPr lang="ko-KR" altLang="en-US" sz="800" b="1" baseline="0" dirty="0"/>
                         <a:t>플레이어가 조종 </a:t>
                       </a:r>
                       <a:r>
-                        <a:rPr lang="ko-KR" altLang="en-US" sz="800" b="1" baseline="0" dirty="0" err="1" smtClean="0"/>
+                        <a:rPr lang="ko-KR" altLang="en-US" sz="800" b="1" baseline="0" dirty="0" err="1"/>
                         <a:t>하는대로</a:t>
                       </a:r>
                       <a:r>
-                        <a:rPr lang="ko-KR" altLang="en-US" sz="800" b="1" baseline="0" dirty="0" smtClean="0"/>
+                        <a:rPr lang="ko-KR" altLang="en-US" sz="800" b="1" baseline="0" dirty="0"/>
                         <a:t> 캐릭터가 움직이는가</a:t>
                       </a:r>
-                      <a:endParaRPr lang="en-US" altLang="ko-KR" sz="800" b="1" baseline="0" dirty="0" smtClean="0"/>
+                      <a:endParaRPr lang="en-US" altLang="ko-KR" sz="800" b="1" baseline="0" dirty="0"/>
                     </a:p>
                     <a:p>
                       <a:pPr marL="228600" indent="-228600" latinLnBrk="1">
                         <a:buAutoNum type="arabicPeriod"/>
                       </a:pPr>
                       <a:r>
-                        <a:rPr lang="ko-KR" altLang="en-US" sz="800" b="1" dirty="0" smtClean="0"/>
+                        <a:rPr lang="ko-KR" altLang="en-US" sz="800" b="1" dirty="0"/>
                         <a:t>아군 캐릭터들과 중립 오브젝트 들이</a:t>
                       </a:r>
                       <a:r>
-                        <a:rPr lang="ko-KR" altLang="en-US" sz="800" b="1" baseline="0" dirty="0" smtClean="0"/>
+                        <a:rPr lang="ko-KR" altLang="en-US" sz="800" b="1" baseline="0" dirty="0"/>
                         <a:t> 상호작용을 하는가</a:t>
                       </a:r>
-                      <a:endParaRPr lang="en-US" altLang="ko-KR" sz="800" b="1" baseline="0" dirty="0" smtClean="0"/>
+                      <a:endParaRPr lang="en-US" altLang="ko-KR" sz="800" b="1" baseline="0" dirty="0"/>
                     </a:p>
                     <a:p>
                       <a:pPr marL="228600" indent="-228600" latinLnBrk="1">
                         <a:buAutoNum type="arabicPeriod"/>
                       </a:pPr>
                       <a:r>
-                        <a:rPr lang="ko-KR" altLang="en-US" sz="800" b="1" baseline="0" dirty="0" smtClean="0"/>
+                        <a:rPr lang="ko-KR" altLang="en-US" sz="800" b="1" baseline="0" dirty="0"/>
                         <a:t>적군 오브젝트와 아군 캐릭터 및 중립 오브젝트가 정상적으로 전투가 되는가</a:t>
                       </a:r>
-                      <a:endParaRPr lang="en-US" altLang="ko-KR" sz="800" b="1" baseline="0" dirty="0" smtClean="0"/>
+                      <a:endParaRPr lang="en-US" altLang="ko-KR" sz="800" b="1" baseline="0" dirty="0"/>
                     </a:p>
                     <a:p>
                       <a:pPr marL="228600" indent="-228600" latinLnBrk="1">
                         <a:buAutoNum type="arabicPeriod"/>
                       </a:pPr>
                       <a:r>
-                        <a:rPr lang="ko-KR" altLang="en-US" sz="800" b="1" baseline="0" dirty="0" smtClean="0"/>
+                        <a:rPr lang="ko-KR" altLang="en-US" sz="800" b="1" baseline="0" dirty="0"/>
                         <a:t>플레이어의 주인공의 </a:t>
                       </a:r>
                       <a:r>
-                        <a:rPr lang="ko-KR" altLang="en-US" sz="800" b="1" baseline="0" dirty="0" err="1" smtClean="0"/>
+                        <a:rPr lang="ko-KR" altLang="en-US" sz="800" b="1" baseline="0" dirty="0" err="1"/>
                         <a:t>스킬과</a:t>
                       </a:r>
                       <a:r>
-                        <a:rPr lang="ko-KR" altLang="en-US" sz="800" b="1" baseline="0" dirty="0" smtClean="0"/>
+                        <a:rPr lang="ko-KR" altLang="en-US" sz="800" b="1" baseline="0" dirty="0"/>
                         <a:t> 각종 효과가 잘 작동 하는가</a:t>
                       </a:r>
-                      <a:endParaRPr lang="en-US" altLang="ko-KR" sz="800" b="1" baseline="0" dirty="0" smtClean="0"/>
+                      <a:endParaRPr lang="en-US" altLang="ko-KR" sz="800" b="1" baseline="0" dirty="0"/>
                     </a:p>
                     <a:p>
                       <a:pPr marL="228600" indent="-228600" latinLnBrk="1">
                         <a:buAutoNum type="arabicPeriod"/>
                       </a:pPr>
                       <a:r>
-                        <a:rPr lang="ko-KR" altLang="en-US" sz="800" b="1" baseline="0" dirty="0" smtClean="0"/>
+                        <a:rPr lang="ko-KR" altLang="en-US" sz="800" b="1" baseline="0" dirty="0"/>
                         <a:t>밸런스 조절</a:t>
                       </a:r>
                       <a:r>
-                        <a:rPr lang="en-US" altLang="ko-KR" sz="800" b="1" baseline="0" dirty="0" smtClean="0"/>
+                        <a:rPr lang="en-US" altLang="ko-KR" sz="800" b="1" baseline="0" dirty="0"/>
                         <a:t>.</a:t>
                       </a:r>
                       <a:endParaRPr lang="ko-KR" altLang="en-US" sz="800" b="1" dirty="0"/>
@@ -7535,6 +7530,11 @@
                     </a:solidFill>
                   </a:tcPr>
                 </a:tc>
+                <a:extLst>
+                  <a:ext uri="{0D108BD9-81ED-4DB2-BD59-A6C34878D82A}">
+                    <a16:rowId xmlns:a16="http://schemas.microsoft.com/office/drawing/2014/main" val="10008"/>
+                  </a:ext>
+                </a:extLst>
               </a:tr>
               <a:tr h="857250">
                 <a:tc>
@@ -7544,14 +7544,13 @@
                     <a:p>
                       <a:pPr latinLnBrk="1"/>
                       <a:r>
-                        <a:rPr lang="en-US" altLang="ko-KR" sz="1400" dirty="0" smtClean="0"/>
+                        <a:rPr lang="en-US" altLang="ko-KR" sz="1400" dirty="0"/>
                         <a:t>10</a:t>
                       </a:r>
                       <a:r>
-                        <a:rPr lang="ko-KR" altLang="en-US" sz="1400" dirty="0" smtClean="0"/>
+                        <a:rPr lang="ko-KR" altLang="en-US" sz="1400" dirty="0"/>
                         <a:t>주차</a:t>
                       </a:r>
-                      <a:endParaRPr lang="ko-KR" altLang="en-US" sz="1400" dirty="0"/>
                     </a:p>
                   </a:txBody>
                   <a:tcPr marT="34290" marB="34290">
@@ -7597,6 +7596,11 @@
                   </a:txBody>
                   <a:tcPr/>
                 </a:tc>
+                <a:extLst>
+                  <a:ext uri="{0D108BD9-81ED-4DB2-BD59-A6C34878D82A}">
+                    <a16:rowId xmlns:a16="http://schemas.microsoft.com/office/drawing/2014/main" val="10009"/>
+                  </a:ext>
+                </a:extLst>
               </a:tr>
               <a:tr h="674370">
                 <a:tc>
@@ -7606,14 +7610,13 @@
                     <a:p>
                       <a:pPr latinLnBrk="1"/>
                       <a:r>
-                        <a:rPr lang="en-US" altLang="ko-KR" sz="1400" dirty="0" smtClean="0"/>
+                        <a:rPr lang="en-US" altLang="ko-KR" sz="1400" dirty="0"/>
                         <a:t>11</a:t>
                       </a:r>
                       <a:r>
-                        <a:rPr lang="ko-KR" altLang="en-US" sz="1400" dirty="0" smtClean="0"/>
+                        <a:rPr lang="ko-KR" altLang="en-US" sz="1400" dirty="0"/>
                         <a:t>주차</a:t>
                       </a:r>
-                      <a:endParaRPr lang="ko-KR" altLang="en-US" sz="1400" dirty="0"/>
                     </a:p>
                   </a:txBody>
                   <a:tcPr marT="34290" marB="34290">
@@ -7633,41 +7636,41 @@
                     <a:p>
                       <a:pPr latinLnBrk="1"/>
                       <a:r>
-                        <a:rPr lang="ko-KR" altLang="en-US" sz="1000" b="1" dirty="0" smtClean="0"/>
+                        <a:rPr lang="ko-KR" altLang="en-US" sz="1000" b="1" dirty="0"/>
                         <a:t>마무리</a:t>
                       </a:r>
-                      <a:endParaRPr lang="en-US" altLang="ko-KR" sz="1000" b="1" dirty="0" smtClean="0"/>
+                      <a:endParaRPr lang="en-US" altLang="ko-KR" sz="1000" b="1" dirty="0"/>
                     </a:p>
                     <a:p>
                       <a:pPr marL="228600" indent="-228600" latinLnBrk="1">
                         <a:buAutoNum type="arabicPeriod"/>
                       </a:pPr>
                       <a:r>
-                        <a:rPr lang="ko-KR" altLang="en-US" sz="800" b="1" dirty="0" smtClean="0"/>
+                        <a:rPr lang="ko-KR" altLang="en-US" sz="800" b="1" dirty="0"/>
                         <a:t>게임 시작부터 종료까지 정상적으로 구동이 가능한가</a:t>
                       </a:r>
-                      <a:endParaRPr lang="en-US" altLang="ko-KR" sz="800" b="1" dirty="0" smtClean="0"/>
+                      <a:endParaRPr lang="en-US" altLang="ko-KR" sz="800" b="1" dirty="0"/>
                     </a:p>
                     <a:p>
                       <a:pPr marL="228600" indent="-228600" latinLnBrk="1">
                         <a:buAutoNum type="arabicPeriod"/>
                       </a:pPr>
                       <a:r>
-                        <a:rPr lang="ko-KR" altLang="en-US" sz="800" b="1" dirty="0" smtClean="0"/>
+                        <a:rPr lang="ko-KR" altLang="en-US" sz="800" b="1" dirty="0"/>
                         <a:t>최종 밸런스 조절</a:t>
                       </a:r>
-                      <a:endParaRPr lang="en-US" altLang="ko-KR" sz="800" b="1" dirty="0" smtClean="0"/>
+                      <a:endParaRPr lang="en-US" altLang="ko-KR" sz="800" b="1" dirty="0"/>
                     </a:p>
                     <a:p>
                       <a:pPr marL="228600" indent="-228600" latinLnBrk="1">
                         <a:buAutoNum type="arabicPeriod"/>
                       </a:pPr>
                       <a:r>
-                        <a:rPr lang="ko-KR" altLang="en-US" sz="800" b="1" dirty="0" smtClean="0"/>
+                        <a:rPr lang="ko-KR" altLang="en-US" sz="800" b="1" dirty="0"/>
                         <a:t>문제 없다면 릴리스</a:t>
                       </a:r>
                       <a:r>
-                        <a:rPr lang="en-US" altLang="ko-KR" sz="800" b="1" dirty="0" smtClean="0"/>
+                        <a:rPr lang="en-US" altLang="ko-KR" sz="800" b="1" dirty="0"/>
                         <a:t>.</a:t>
                       </a:r>
                       <a:endParaRPr lang="ko-KR" altLang="en-US" sz="800" b="1" dirty="0"/>
@@ -7725,6 +7728,11 @@
                     </a:solidFill>
                   </a:tcPr>
                 </a:tc>
+                <a:extLst>
+                  <a:ext uri="{0D108BD9-81ED-4DB2-BD59-A6C34878D82A}">
+                    <a16:rowId xmlns:a16="http://schemas.microsoft.com/office/drawing/2014/main" val="10010"/>
+                  </a:ext>
+                </a:extLst>
               </a:tr>
             </a:tbl>
           </a:graphicData>
@@ -7740,13 +7748,6 @@
   <p:clrMapOvr>
     <a:masterClrMapping/>
   </p:clrMapOvr>
-  <p:timing>
-    <p:tnLst>
-      <p:par>
-        <p:cTn id="1" dur="indefinite" restart="never" nodeType="tmRoot"/>
-      </p:par>
-    </p:tnLst>
-  </p:timing>
 </p:sld>
 </file>
 

--- a/Game_Project/ch1/2016_2dGP_2nd_project_2012181025_윤진우.pptx
+++ b/Game_Project/ch1/2016_2dGP_2nd_project_2012181025_윤진우.pptx
@@ -5,13 +5,15 @@
     <p:sldMasterId id="2147483648" r:id="rId1"/>
   </p:sldMasterIdLst>
   <p:notesMasterIdLst>
-    <p:notesMasterId r:id="rId6"/>
+    <p:notesMasterId r:id="rId8"/>
   </p:notesMasterIdLst>
   <p:sldIdLst>
     <p:sldId id="256" r:id="rId2"/>
-    <p:sldId id="257" r:id="rId3"/>
-    <p:sldId id="264" r:id="rId4"/>
-    <p:sldId id="265" r:id="rId5"/>
+    <p:sldId id="267" r:id="rId3"/>
+    <p:sldId id="257" r:id="rId4"/>
+    <p:sldId id="264" r:id="rId5"/>
+    <p:sldId id="265" r:id="rId6"/>
+    <p:sldId id="266" r:id="rId7"/>
   </p:sldIdLst>
   <p:sldSz cx="9144000" cy="5143500" type="screen16x9"/>
   <p:notesSz cx="6858000" cy="9144000"/>
@@ -4049,6 +4051,299 @@
       </p:grpSpPr>
       <p:sp>
         <p:nvSpPr>
+          <p:cNvPr id="5" name="직사각형 4"/>
+          <p:cNvSpPr/>
+          <p:nvPr/>
+        </p:nvSpPr>
+        <p:spPr>
+          <a:xfrm>
+            <a:off x="179512" y="267494"/>
+            <a:ext cx="8784976" cy="4608512"/>
+          </a:xfrm>
+          <a:prstGeom prst="rect">
+            <a:avLst/>
+          </a:prstGeom>
+          <a:solidFill>
+            <a:schemeClr val="bg1">
+              <a:alpha val="81000"/>
+            </a:schemeClr>
+          </a:solidFill>
+          <a:ln w="63500">
+            <a:solidFill>
+              <a:schemeClr val="accent2">
+                <a:lumMod val="50000"/>
+                <a:alpha val="49000"/>
+              </a:schemeClr>
+            </a:solidFill>
+          </a:ln>
+          <a:effectLst>
+            <a:softEdge rad="127000"/>
+          </a:effectLst>
+        </p:spPr>
+        <p:style>
+          <a:lnRef idx="2">
+            <a:schemeClr val="accent1">
+              <a:shade val="50000"/>
+            </a:schemeClr>
+          </a:lnRef>
+          <a:fillRef idx="1">
+            <a:schemeClr val="accent1"/>
+          </a:fillRef>
+          <a:effectRef idx="0">
+            <a:schemeClr val="accent1"/>
+          </a:effectRef>
+          <a:fontRef idx="minor">
+            <a:schemeClr val="lt1"/>
+          </a:fontRef>
+        </p:style>
+        <p:txBody>
+          <a:bodyPr rtlCol="0" anchor="ctr"/>
+          <a:lstStyle/>
+          <a:p>
+            <a:pPr algn="ctr"/>
+            <a:endParaRPr lang="ko-KR" altLang="en-US">
+              <a:ln w="0"/>
+              <a:solidFill>
+                <a:schemeClr val="tx1"/>
+              </a:solidFill>
+              <a:effectLst>
+                <a:outerShdw blurRad="38100" dist="19050" dir="2700000" algn="tl" rotWithShape="0">
+                  <a:schemeClr val="dk1">
+                    <a:alpha val="40000"/>
+                  </a:schemeClr>
+                </a:outerShdw>
+              </a:effectLst>
+            </a:endParaRPr>
+          </a:p>
+        </p:txBody>
+      </p:sp>
+      <p:sp>
+        <p:nvSpPr>
+          <p:cNvPr id="6" name="직사각형 5"/>
+          <p:cNvSpPr/>
+          <p:nvPr/>
+        </p:nvSpPr>
+        <p:spPr>
+          <a:xfrm>
+            <a:off x="467544" y="358188"/>
+            <a:ext cx="1569660" cy="923330"/>
+          </a:xfrm>
+          <a:prstGeom prst="rect">
+            <a:avLst/>
+          </a:prstGeom>
+          <a:noFill/>
+        </p:spPr>
+        <p:txBody>
+          <a:bodyPr wrap="none" lIns="91440" tIns="45720" rIns="91440" bIns="45720">
+            <a:spAutoFit/>
+          </a:bodyPr>
+          <a:lstStyle/>
+          <a:p>
+            <a:r>
+              <a:rPr lang="ko-KR" altLang="en-US" sz="5400" dirty="0">
+                <a:ln w="0"/>
+                <a:effectLst>
+                  <a:outerShdw blurRad="38100" dist="19050" dir="2700000" algn="tl" rotWithShape="0">
+                    <a:schemeClr val="dk1">
+                      <a:alpha val="40000"/>
+                    </a:schemeClr>
+                  </a:outerShdw>
+                </a:effectLst>
+              </a:rPr>
+              <a:t>목차</a:t>
+            </a:r>
+            <a:endParaRPr lang="en-US" altLang="ko-KR" sz="5400" b="0" cap="none" spc="0" dirty="0">
+              <a:ln w="0"/>
+              <a:solidFill>
+                <a:schemeClr val="tx1"/>
+              </a:solidFill>
+              <a:effectLst>
+                <a:outerShdw blurRad="38100" dist="19050" dir="2700000" algn="tl" rotWithShape="0">
+                  <a:schemeClr val="dk1">
+                    <a:alpha val="40000"/>
+                  </a:schemeClr>
+                </a:outerShdw>
+              </a:effectLst>
+            </a:endParaRPr>
+          </a:p>
+        </p:txBody>
+      </p:sp>
+      <p:sp>
+        <p:nvSpPr>
+          <p:cNvPr id="7" name="직사각형 6"/>
+          <p:cNvSpPr/>
+          <p:nvPr/>
+        </p:nvSpPr>
+        <p:spPr>
+          <a:xfrm>
+            <a:off x="395536" y="1203598"/>
+            <a:ext cx="8068042" cy="3416320"/>
+          </a:xfrm>
+          <a:prstGeom prst="rect">
+            <a:avLst/>
+          </a:prstGeom>
+          <a:noFill/>
+        </p:spPr>
+        <p:txBody>
+          <a:bodyPr wrap="none" lIns="91440" tIns="45720" rIns="91440" bIns="45720">
+            <a:spAutoFit/>
+          </a:bodyPr>
+          <a:lstStyle/>
+          <a:p>
+            <a:pPr marL="914400" indent="-914400">
+              <a:buAutoNum type="arabicPeriod"/>
+            </a:pPr>
+            <a:r>
+              <a:rPr lang="ko-KR" altLang="en-US" sz="5400" dirty="0">
+                <a:ln w="0"/>
+                <a:effectLst>
+                  <a:outerShdw blurRad="38100" dist="19050" dir="2700000" algn="tl" rotWithShape="0">
+                    <a:schemeClr val="dk1">
+                      <a:alpha val="40000"/>
+                    </a:schemeClr>
+                  </a:outerShdw>
+                </a:effectLst>
+              </a:rPr>
+              <a:t>컨셉</a:t>
+            </a:r>
+            <a:endParaRPr lang="en-US" altLang="ko-KR" sz="5400" dirty="0">
+              <a:ln w="0"/>
+              <a:effectLst>
+                <a:outerShdw blurRad="38100" dist="19050" dir="2700000" algn="tl" rotWithShape="0">
+                  <a:schemeClr val="dk1">
+                    <a:alpha val="40000"/>
+                  </a:schemeClr>
+                </a:outerShdw>
+              </a:effectLst>
+            </a:endParaRPr>
+          </a:p>
+          <a:p>
+            <a:pPr marL="914400" indent="-914400">
+              <a:buAutoNum type="arabicPeriod"/>
+            </a:pPr>
+            <a:r>
+              <a:rPr lang="ko-KR" altLang="en-US" sz="5400" dirty="0">
+                <a:ln w="0"/>
+                <a:effectLst>
+                  <a:outerShdw blurRad="38100" dist="19050" dir="2700000" algn="tl" rotWithShape="0">
+                    <a:schemeClr val="dk1">
+                      <a:alpha val="40000"/>
+                    </a:schemeClr>
+                  </a:outerShdw>
+                </a:effectLst>
+              </a:rPr>
+              <a:t>개발 범위</a:t>
+            </a:r>
+            <a:endParaRPr lang="en-US" altLang="ko-KR" sz="5400" dirty="0">
+              <a:ln w="0"/>
+              <a:effectLst>
+                <a:outerShdw blurRad="38100" dist="19050" dir="2700000" algn="tl" rotWithShape="0">
+                  <a:schemeClr val="dk1">
+                    <a:alpha val="40000"/>
+                  </a:schemeClr>
+                </a:outerShdw>
+              </a:effectLst>
+            </a:endParaRPr>
+          </a:p>
+          <a:p>
+            <a:pPr marL="914400" indent="-914400">
+              <a:buAutoNum type="arabicPeriod"/>
+            </a:pPr>
+            <a:r>
+              <a:rPr lang="ko-KR" altLang="en-US" sz="5400" b="0" cap="none" spc="0" dirty="0">
+                <a:ln w="0"/>
+                <a:solidFill>
+                  <a:schemeClr val="tx1"/>
+                </a:solidFill>
+                <a:effectLst>
+                  <a:outerShdw blurRad="38100" dist="19050" dir="2700000" algn="tl" rotWithShape="0">
+                    <a:schemeClr val="dk1">
+                      <a:alpha val="40000"/>
+                    </a:schemeClr>
+                  </a:outerShdw>
+                </a:effectLst>
+              </a:rPr>
+              <a:t>개발 현황</a:t>
+            </a:r>
+            <a:endParaRPr lang="en-US" altLang="ko-KR" sz="5400" b="0" cap="none" spc="0" dirty="0">
+              <a:ln w="0"/>
+              <a:solidFill>
+                <a:schemeClr val="tx1"/>
+              </a:solidFill>
+              <a:effectLst>
+                <a:outerShdw blurRad="38100" dist="19050" dir="2700000" algn="tl" rotWithShape="0">
+                  <a:schemeClr val="dk1">
+                    <a:alpha val="40000"/>
+                  </a:schemeClr>
+                </a:outerShdw>
+              </a:effectLst>
+            </a:endParaRPr>
+          </a:p>
+          <a:p>
+            <a:pPr marL="914400" indent="-914400" algn="ctr">
+              <a:buAutoNum type="arabicPeriod"/>
+            </a:pPr>
+            <a:r>
+              <a:rPr lang="en-US" altLang="ko-KR" sz="5400" dirty="0">
+                <a:ln w="0"/>
+                <a:effectLst>
+                  <a:outerShdw blurRad="38100" dist="19050" dir="2700000" algn="tl" rotWithShape="0">
+                    <a:schemeClr val="dk1">
+                      <a:alpha val="40000"/>
+                    </a:schemeClr>
+                  </a:outerShdw>
+                </a:effectLst>
+              </a:rPr>
+              <a:t>GIT COMMITS GRAPH</a:t>
+            </a:r>
+            <a:endParaRPr lang="en-US" altLang="ko-KR" sz="5400" b="0" cap="none" spc="0" dirty="0">
+              <a:ln w="0"/>
+              <a:solidFill>
+                <a:schemeClr val="tx1"/>
+              </a:solidFill>
+              <a:effectLst>
+                <a:outerShdw blurRad="38100" dist="19050" dir="2700000" algn="tl" rotWithShape="0">
+                  <a:schemeClr val="dk1">
+                    <a:alpha val="40000"/>
+                  </a:schemeClr>
+                </a:outerShdw>
+              </a:effectLst>
+            </a:endParaRPr>
+          </a:p>
+        </p:txBody>
+      </p:sp>
+    </p:spTree>
+    <p:extLst>
+      <p:ext uri="{BB962C8B-B14F-4D97-AF65-F5344CB8AC3E}">
+        <p14:creationId xmlns:p14="http://schemas.microsoft.com/office/powerpoint/2010/main" val="1750728020"/>
+      </p:ext>
+    </p:extLst>
+  </p:cSld>
+  <p:clrMapOvr>
+    <a:masterClrMapping/>
+  </p:clrMapOvr>
+</p:sld>
+</file>
+
+<file path=ppt/slides/slide3.xml><?xml version="1.0" encoding="utf-8"?>
+<p:sld xmlns:a="http://schemas.openxmlformats.org/drawingml/2006/main" xmlns:r="http://schemas.openxmlformats.org/officeDocument/2006/relationships" xmlns:p="http://schemas.openxmlformats.org/presentationml/2006/main">
+  <p:cSld>
+    <p:spTree>
+      <p:nvGrpSpPr>
+        <p:cNvPr id="1" name=""/>
+        <p:cNvGrpSpPr/>
+        <p:nvPr/>
+      </p:nvGrpSpPr>
+      <p:grpSpPr>
+        <a:xfrm>
+          <a:off x="0" y="0"/>
+          <a:ext cx="0" cy="0"/>
+          <a:chOff x="0" y="0"/>
+          <a:chExt cx="0" cy="0"/>
+        </a:xfrm>
+      </p:grpSpPr>
+      <p:sp>
+        <p:nvSpPr>
           <p:cNvPr id="4" name="직사각형 3"/>
           <p:cNvSpPr/>
           <p:nvPr/>
@@ -4903,7 +5198,7 @@
 </p:sld>
 </file>
 
-<file path=ppt/slides/slide3.xml><?xml version="1.0" encoding="utf-8"?>
+<file path=ppt/slides/slide4.xml><?xml version="1.0" encoding="utf-8"?>
 <p:sld xmlns:a="http://schemas.openxmlformats.org/drawingml/2006/main" xmlns:r="http://schemas.openxmlformats.org/officeDocument/2006/relationships" xmlns:p="http://schemas.openxmlformats.org/presentationml/2006/main">
   <p:cSld>
     <p:spTree>
@@ -6026,7 +6321,7 @@
 </p:sld>
 </file>
 
-<file path=ppt/slides/slide4.xml><?xml version="1.0" encoding="utf-8"?>
+<file path=ppt/slides/slide5.xml><?xml version="1.0" encoding="utf-8"?>
 <p:sld xmlns:a="http://schemas.openxmlformats.org/drawingml/2006/main" xmlns:r="http://schemas.openxmlformats.org/officeDocument/2006/relationships" xmlns:p="http://schemas.openxmlformats.org/presentationml/2006/main">
   <p:cSld>
     <p:spTree>
@@ -6112,14 +6407,14 @@
           <p:nvPr>
             <p:extLst>
               <p:ext uri="{D42A27DB-BD31-4B8C-83A1-F6EECF244321}">
-                <p14:modId xmlns:p14="http://schemas.microsoft.com/office/powerpoint/2010/main" val="2505523358"/>
+                <p14:modId xmlns:p14="http://schemas.microsoft.com/office/powerpoint/2010/main" val="3924710137"/>
               </p:ext>
             </p:extLst>
           </p:nvPr>
         </p:nvGraphicFramePr>
         <p:xfrm>
-          <a:off x="393658" y="160264"/>
-          <a:ext cx="8352928" cy="4688888"/>
+          <a:off x="393658" y="267494"/>
+          <a:ext cx="8352928" cy="4581659"/>
         </p:xfrm>
         <a:graphic>
           <a:graphicData uri="http://schemas.openxmlformats.org/drawingml/2006/table">
@@ -6157,7 +6452,7 @@
                   </a:extLst>
                 </a:gridCol>
               </a:tblGrid>
-              <a:tr h="425498">
+              <a:tr h="395118">
                 <a:tc>
                   <a:txBody>
                     <a:bodyPr/>
@@ -6497,7 +6792,7 @@
                   </a:ext>
                 </a:extLst>
               </a:tr>
-              <a:tr h="274320">
+              <a:tr h="316483">
                 <a:tc>
                   <a:txBody>
                     <a:bodyPr/>
@@ -6575,7 +6870,7 @@
                   </a:ext>
                 </a:extLst>
               </a:tr>
-              <a:tr h="274320">
+              <a:tr h="295834">
                 <a:tc>
                   <a:txBody>
                     <a:bodyPr/>
@@ -6846,7 +7141,7 @@
                   </a:ext>
                 </a:extLst>
               </a:tr>
-              <a:tr h="502920">
+              <a:tr h="467012">
                 <a:tc>
                   <a:txBody>
                     <a:bodyPr/>
@@ -6911,7 +7206,7 @@
                   </a:ext>
                 </a:extLst>
               </a:tr>
-              <a:tr h="274320">
+              <a:tr h="295834">
                 <a:tc>
                   <a:txBody>
                     <a:bodyPr/>
@@ -7038,7 +7333,7 @@
                   </a:ext>
                 </a:extLst>
               </a:tr>
-              <a:tr h="285750">
+              <a:tr h="319821">
                 <a:tc>
                   <a:txBody>
                     <a:bodyPr/>
@@ -7104,7 +7399,7 @@
                   </a:ext>
                 </a:extLst>
               </a:tr>
-              <a:tr h="274320">
+              <a:tr h="295834">
                 <a:tc>
                   <a:txBody>
                     <a:bodyPr/>
@@ -7298,7 +7593,7 @@
                   </a:ext>
                 </a:extLst>
               </a:tr>
-              <a:tr h="514350">
+              <a:tr h="477626">
                 <a:tc>
                   <a:txBody>
                     <a:bodyPr/>
@@ -7364,7 +7659,7 @@
                   </a:ext>
                 </a:extLst>
               </a:tr>
-              <a:tr h="274320">
+              <a:tr h="295834">
                 <a:tc>
                   <a:txBody>
                     <a:bodyPr/>
@@ -7536,7 +7831,7 @@
                   </a:ext>
                 </a:extLst>
               </a:tr>
-              <a:tr h="857250">
+              <a:tr h="796043">
                 <a:tc>
                   <a:txBody>
                     <a:bodyPr/>
@@ -7602,7 +7897,7 @@
                   </a:ext>
                 </a:extLst>
               </a:tr>
-              <a:tr h="674370">
+              <a:tr h="626220">
                 <a:tc>
                   <a:txBody>
                     <a:bodyPr/>
@@ -7742,6 +8037,200 @@
     <p:extLst>
       <p:ext uri="{BB962C8B-B14F-4D97-AF65-F5344CB8AC3E}">
         <p14:creationId xmlns:p14="http://schemas.microsoft.com/office/powerpoint/2010/main" val="1239975640"/>
+      </p:ext>
+    </p:extLst>
+  </p:cSld>
+  <p:clrMapOvr>
+    <a:masterClrMapping/>
+  </p:clrMapOvr>
+</p:sld>
+</file>
+
+<file path=ppt/slides/slide6.xml><?xml version="1.0" encoding="utf-8"?>
+<p:sld xmlns:a="http://schemas.openxmlformats.org/drawingml/2006/main" xmlns:r="http://schemas.openxmlformats.org/officeDocument/2006/relationships" xmlns:p="http://schemas.openxmlformats.org/presentationml/2006/main">
+  <p:cSld>
+    <p:spTree>
+      <p:nvGrpSpPr>
+        <p:cNvPr id="1" name=""/>
+        <p:cNvGrpSpPr/>
+        <p:nvPr/>
+      </p:nvGrpSpPr>
+      <p:grpSpPr>
+        <a:xfrm>
+          <a:off x="0" y="0"/>
+          <a:ext cx="0" cy="0"/>
+          <a:chOff x="0" y="0"/>
+          <a:chExt cx="0" cy="0"/>
+        </a:xfrm>
+      </p:grpSpPr>
+      <p:sp>
+        <p:nvSpPr>
+          <p:cNvPr id="4" name="직사각형 3"/>
+          <p:cNvSpPr/>
+          <p:nvPr/>
+        </p:nvSpPr>
+        <p:spPr>
+          <a:xfrm>
+            <a:off x="247764" y="123478"/>
+            <a:ext cx="8644716" cy="5020021"/>
+          </a:xfrm>
+          <a:prstGeom prst="rect">
+            <a:avLst/>
+          </a:prstGeom>
+          <a:solidFill>
+            <a:schemeClr val="bg1">
+              <a:alpha val="81000"/>
+            </a:schemeClr>
+          </a:solidFill>
+          <a:ln w="63500">
+            <a:solidFill>
+              <a:schemeClr val="accent2">
+                <a:lumMod val="50000"/>
+                <a:alpha val="49000"/>
+              </a:schemeClr>
+            </a:solidFill>
+          </a:ln>
+          <a:effectLst>
+            <a:softEdge rad="127000"/>
+          </a:effectLst>
+        </p:spPr>
+        <p:style>
+          <a:lnRef idx="2">
+            <a:schemeClr val="accent1">
+              <a:shade val="50000"/>
+            </a:schemeClr>
+          </a:lnRef>
+          <a:fillRef idx="1">
+            <a:schemeClr val="accent1"/>
+          </a:fillRef>
+          <a:effectRef idx="0">
+            <a:schemeClr val="accent1"/>
+          </a:effectRef>
+          <a:fontRef idx="minor">
+            <a:schemeClr val="lt1"/>
+          </a:fontRef>
+        </p:style>
+        <p:txBody>
+          <a:bodyPr rtlCol="0" anchor="ctr"/>
+          <a:lstStyle/>
+          <a:p>
+            <a:pPr algn="ctr"/>
+            <a:endParaRPr lang="ko-KR" altLang="en-US" dirty="0"/>
+          </a:p>
+        </p:txBody>
+      </p:sp>
+      <p:sp>
+        <p:nvSpPr>
+          <p:cNvPr id="6" name="직사각형 5"/>
+          <p:cNvSpPr/>
+          <p:nvPr/>
+        </p:nvSpPr>
+        <p:spPr>
+          <a:xfrm>
+            <a:off x="2653159" y="132929"/>
+            <a:ext cx="3607078" cy="923330"/>
+          </a:xfrm>
+          <a:prstGeom prst="rect">
+            <a:avLst/>
+          </a:prstGeom>
+          <a:noFill/>
+        </p:spPr>
+        <p:txBody>
+          <a:bodyPr wrap="none" lIns="91440" tIns="45720" rIns="91440" bIns="45720">
+            <a:spAutoFit/>
+          </a:bodyPr>
+          <a:lstStyle/>
+          <a:p>
+            <a:pPr algn="ctr"/>
+            <a:r>
+              <a:rPr lang="en-US" altLang="ko-KR" sz="5400" dirty="0" err="1">
+                <a:ln w="0"/>
+                <a:effectLst>
+                  <a:outerShdw blurRad="38100" dist="19050" dir="2700000" algn="tl" rotWithShape="0">
+                    <a:schemeClr val="dk1">
+                      <a:alpha val="40000"/>
+                    </a:schemeClr>
+                  </a:outerShdw>
+                </a:effectLst>
+              </a:rPr>
+              <a:t>Git</a:t>
+            </a:r>
+            <a:r>
+              <a:rPr lang="en-US" altLang="ko-KR" sz="5400" dirty="0">
+                <a:ln w="0"/>
+                <a:effectLst>
+                  <a:outerShdw blurRad="38100" dist="19050" dir="2700000" algn="tl" rotWithShape="0">
+                    <a:schemeClr val="dk1">
+                      <a:alpha val="40000"/>
+                    </a:schemeClr>
+                  </a:outerShdw>
+                </a:effectLst>
+              </a:rPr>
+              <a:t> </a:t>
+            </a:r>
+            <a:r>
+              <a:rPr lang="en-US" altLang="ko-KR" sz="5400" dirty="0" err="1">
+                <a:ln w="0"/>
+                <a:effectLst>
+                  <a:outerShdw blurRad="38100" dist="19050" dir="2700000" algn="tl" rotWithShape="0">
+                    <a:schemeClr val="dk1">
+                      <a:alpha val="40000"/>
+                    </a:schemeClr>
+                  </a:outerShdw>
+                </a:effectLst>
+              </a:rPr>
+              <a:t>GraphS</a:t>
+            </a:r>
+            <a:endParaRPr lang="en-US" altLang="ko-KR" sz="5400" b="0" cap="none" spc="0" dirty="0">
+              <a:ln w="0"/>
+              <a:solidFill>
+                <a:schemeClr val="tx1"/>
+              </a:solidFill>
+              <a:effectLst>
+                <a:outerShdw blurRad="38100" dist="19050" dir="2700000" algn="tl" rotWithShape="0">
+                  <a:schemeClr val="dk1">
+                    <a:alpha val="40000"/>
+                  </a:schemeClr>
+                </a:outerShdw>
+              </a:effectLst>
+            </a:endParaRPr>
+          </a:p>
+        </p:txBody>
+      </p:sp>
+      <p:pic>
+        <p:nvPicPr>
+          <p:cNvPr id="7" name="그림 6"/>
+          <p:cNvPicPr>
+            <a:picLocks noChangeAspect="1"/>
+          </p:cNvPicPr>
+          <p:nvPr/>
+        </p:nvPicPr>
+        <p:blipFill>
+          <a:blip r:embed="rId2">
+            <a:extLst>
+              <a:ext uri="{28A0092B-C50C-407E-A947-70E740481C1C}">
+                <a14:useLocalDpi xmlns:a14="http://schemas.microsoft.com/office/drawing/2010/main" val="0"/>
+              </a:ext>
+            </a:extLst>
+          </a:blip>
+          <a:stretch>
+            <a:fillRect/>
+          </a:stretch>
+        </p:blipFill>
+        <p:spPr>
+          <a:xfrm>
+            <a:off x="467544" y="987574"/>
+            <a:ext cx="8208912" cy="4019652"/>
+          </a:xfrm>
+          <a:prstGeom prst="rect">
+            <a:avLst/>
+          </a:prstGeom>
+        </p:spPr>
+      </p:pic>
+    </p:spTree>
+    <p:extLst>
+      <p:ext uri="{BB962C8B-B14F-4D97-AF65-F5344CB8AC3E}">
+        <p14:creationId xmlns:p14="http://schemas.microsoft.com/office/powerpoint/2010/main" val="2241646886"/>
       </p:ext>
     </p:extLst>
   </p:cSld>
